--- a/答辩PPT/SE0611答辩TEAM103.pptx
+++ b/答辩PPT/SE0611答辩TEAM103.pptx
@@ -6,7 +6,7 @@
     <p:sldMasterId id="2147483679" r:id="rId2"/>
   </p:sldMasterIdLst>
   <p:notesMasterIdLst>
-    <p:notesMasterId r:id="rId27"/>
+    <p:notesMasterId r:id="rId28"/>
   </p:notesMasterIdLst>
   <p:sldIdLst>
     <p:sldId id="256" r:id="rId3"/>
@@ -28,11 +28,12 @@
     <p:sldId id="281" r:id="rId19"/>
     <p:sldId id="282" r:id="rId20"/>
     <p:sldId id="283" r:id="rId21"/>
-    <p:sldId id="284" r:id="rId22"/>
-    <p:sldId id="285" r:id="rId23"/>
-    <p:sldId id="286" r:id="rId24"/>
-    <p:sldId id="287" r:id="rId25"/>
-    <p:sldId id="278" r:id="rId26"/>
+    <p:sldId id="297" r:id="rId22"/>
+    <p:sldId id="284" r:id="rId23"/>
+    <p:sldId id="285" r:id="rId24"/>
+    <p:sldId id="286" r:id="rId25"/>
+    <p:sldId id="287" r:id="rId26"/>
+    <p:sldId id="278" r:id="rId27"/>
   </p:sldIdLst>
   <p:sldSz cx="12192000" cy="6858000"/>
   <p:notesSz cx="6858000" cy="9144000"/>
@@ -221,7 +222,7 @@
           <a:p>
             <a:fld id="{838B8E9B-6925-4E6D-8EB6-52818D738683}" type="datetimeFigureOut">
               <a:rPr lang="zh-CN" altLang="en-US" smtClean="0"/>
-              <a:t>2019/6/4</a:t>
+              <a:t>2019/6/10</a:t>
             </a:fld>
             <a:endParaRPr lang="zh-CN" altLang="en-US"/>
           </a:p>
@@ -1570,7 +1571,7 @@
     </p:spTree>
     <p:extLst>
       <p:ext uri="{BB962C8B-B14F-4D97-AF65-F5344CB8AC3E}">
-        <p14:creationId xmlns:p14="http://schemas.microsoft.com/office/powerpoint/2010/main" val="1113246585"/>
+        <p14:creationId xmlns:p14="http://schemas.microsoft.com/office/powerpoint/2010/main" val="1814919285"/>
       </p:ext>
     </p:extLst>
   </p:cSld>
@@ -1654,7 +1655,7 @@
     </p:spTree>
     <p:extLst>
       <p:ext uri="{BB962C8B-B14F-4D97-AF65-F5344CB8AC3E}">
-        <p14:creationId xmlns:p14="http://schemas.microsoft.com/office/powerpoint/2010/main" val="3018313802"/>
+        <p14:creationId xmlns:p14="http://schemas.microsoft.com/office/powerpoint/2010/main" val="1113246585"/>
       </p:ext>
     </p:extLst>
   </p:cSld>
@@ -1738,7 +1739,7 @@
     </p:spTree>
     <p:extLst>
       <p:ext uri="{BB962C8B-B14F-4D97-AF65-F5344CB8AC3E}">
-        <p14:creationId xmlns:p14="http://schemas.microsoft.com/office/powerpoint/2010/main" val="3933411834"/>
+        <p14:creationId xmlns:p14="http://schemas.microsoft.com/office/powerpoint/2010/main" val="3018313802"/>
       </p:ext>
     </p:extLst>
   </p:cSld>
@@ -1822,7 +1823,7 @@
     </p:spTree>
     <p:extLst>
       <p:ext uri="{BB962C8B-B14F-4D97-AF65-F5344CB8AC3E}">
-        <p14:creationId xmlns:p14="http://schemas.microsoft.com/office/powerpoint/2010/main" val="3312368305"/>
+        <p14:creationId xmlns:p14="http://schemas.microsoft.com/office/powerpoint/2010/main" val="3933411834"/>
       </p:ext>
     </p:extLst>
   </p:cSld>
@@ -1898,6 +1899,90 @@
             <a:fld id="{66CC3DA9-9555-4405-849B-B6E6D880F5BA}" type="slidenum">
               <a:rPr lang="zh-CN" altLang="en-US" smtClean="0"/>
               <a:t>24</a:t>
+            </a:fld>
+            <a:endParaRPr lang="zh-CN" altLang="en-US"/>
+          </a:p>
+        </p:txBody>
+      </p:sp>
+    </p:spTree>
+    <p:extLst>
+      <p:ext uri="{BB962C8B-B14F-4D97-AF65-F5344CB8AC3E}">
+        <p14:creationId xmlns:p14="http://schemas.microsoft.com/office/powerpoint/2010/main" val="3312368305"/>
+      </p:ext>
+    </p:extLst>
+  </p:cSld>
+  <p:clrMapOvr>
+    <a:masterClrMapping/>
+  </p:clrMapOvr>
+</p:notes>
+</file>
+
+<file path=ppt/notesSlides/notesSlide25.xml><?xml version="1.0" encoding="utf-8"?>
+<p:notes xmlns:a="http://schemas.openxmlformats.org/drawingml/2006/main" xmlns:r="http://schemas.openxmlformats.org/officeDocument/2006/relationships" xmlns:p="http://schemas.openxmlformats.org/presentationml/2006/main">
+  <p:cSld>
+    <p:spTree>
+      <p:nvGrpSpPr>
+        <p:cNvPr id="1" name=""/>
+        <p:cNvGrpSpPr/>
+        <p:nvPr/>
+      </p:nvGrpSpPr>
+      <p:grpSpPr>
+        <a:xfrm>
+          <a:off x="0" y="0"/>
+          <a:ext cx="0" cy="0"/>
+          <a:chOff x="0" y="0"/>
+          <a:chExt cx="0" cy="0"/>
+        </a:xfrm>
+      </p:grpSpPr>
+      <p:sp>
+        <p:nvSpPr>
+          <p:cNvPr id="2" name="幻灯片图像占位符 1"/>
+          <p:cNvSpPr>
+            <a:spLocks noGrp="1" noRot="1" noChangeAspect="1"/>
+          </p:cNvSpPr>
+          <p:nvPr>
+            <p:ph type="sldImg"/>
+          </p:nvPr>
+        </p:nvSpPr>
+        <p:spPr/>
+      </p:sp>
+      <p:sp>
+        <p:nvSpPr>
+          <p:cNvPr id="3" name="备注占位符 2"/>
+          <p:cNvSpPr>
+            <a:spLocks noGrp="1"/>
+          </p:cNvSpPr>
+          <p:nvPr>
+            <p:ph type="body" idx="1"/>
+          </p:nvPr>
+        </p:nvSpPr>
+        <p:spPr/>
+        <p:txBody>
+          <a:bodyPr/>
+          <a:lstStyle/>
+          <a:p>
+            <a:endParaRPr lang="zh-CN" altLang="en-US"/>
+          </a:p>
+        </p:txBody>
+      </p:sp>
+      <p:sp>
+        <p:nvSpPr>
+          <p:cNvPr id="4" name="灯片编号占位符 3"/>
+          <p:cNvSpPr>
+            <a:spLocks noGrp="1"/>
+          </p:cNvSpPr>
+          <p:nvPr>
+            <p:ph type="sldNum" sz="quarter" idx="10"/>
+          </p:nvPr>
+        </p:nvSpPr>
+        <p:spPr/>
+        <p:txBody>
+          <a:bodyPr/>
+          <a:lstStyle/>
+          <a:p>
+            <a:fld id="{66CC3DA9-9555-4405-849B-B6E6D880F5BA}" type="slidenum">
+              <a:rPr lang="zh-CN" altLang="en-US" smtClean="0"/>
+              <a:t>25</a:t>
             </a:fld>
             <a:endParaRPr lang="zh-CN" altLang="en-US"/>
           </a:p>
@@ -4995,7 +5080,7 @@
           <p:cNvPr id="9" name="文本框 8">
             <a:extLst>
               <a:ext uri="{FF2B5EF4-FFF2-40B4-BE49-F238E27FC236}">
-                <a16:creationId xmlns="" xmlns:a16="http://schemas.microsoft.com/office/drawing/2014/main" id="{67B43CCB-1998-4484-B269-9ACB654ACB71}"/>
+                <a16:creationId xmlns:a16="http://schemas.microsoft.com/office/drawing/2014/main" xmlns="" id="{67B43CCB-1998-4484-B269-9ACB654ACB71}"/>
               </a:ext>
             </a:extLst>
           </p:cNvPr>
@@ -5049,7 +5134,7 @@
           <p:cNvPr id="10" name="图片 9">
             <a:extLst>
               <a:ext uri="{FF2B5EF4-FFF2-40B4-BE49-F238E27FC236}">
-                <a16:creationId xmlns="" xmlns:a16="http://schemas.microsoft.com/office/drawing/2014/main" id="{CF1532F4-AF97-400D-84E6-F00D2B3D35D1}"/>
+                <a16:creationId xmlns:a16="http://schemas.microsoft.com/office/drawing/2014/main" xmlns="" id="{CF1532F4-AF97-400D-84E6-F00D2B3D35D1}"/>
               </a:ext>
             </a:extLst>
           </p:cNvPr>
@@ -5086,7 +5171,7 @@
           <p:cNvPr id="11" name="图片 10">
             <a:extLst>
               <a:ext uri="{FF2B5EF4-FFF2-40B4-BE49-F238E27FC236}">
-                <a16:creationId xmlns="" xmlns:a16="http://schemas.microsoft.com/office/drawing/2014/main" id="{CA7E11C8-4335-45B0-A270-313A25ABC63F}"/>
+                <a16:creationId xmlns:a16="http://schemas.microsoft.com/office/drawing/2014/main" xmlns="" id="{CA7E11C8-4335-45B0-A270-313A25ABC63F}"/>
               </a:ext>
             </a:extLst>
           </p:cNvPr>
@@ -5123,7 +5208,7 @@
           <p:cNvPr id="12" name="文本框 11">
             <a:extLst>
               <a:ext uri="{FF2B5EF4-FFF2-40B4-BE49-F238E27FC236}">
-                <a16:creationId xmlns="" xmlns:a16="http://schemas.microsoft.com/office/drawing/2014/main" id="{45615889-3ACE-4C91-970F-789D759EAC1E}"/>
+                <a16:creationId xmlns:a16="http://schemas.microsoft.com/office/drawing/2014/main" xmlns="" id="{45615889-3ACE-4C91-970F-789D759EAC1E}"/>
               </a:ext>
             </a:extLst>
           </p:cNvPr>
@@ -5200,7 +5285,7 @@
           <p:cNvPr id="13" name="文本框 12">
             <a:extLst>
               <a:ext uri="{FF2B5EF4-FFF2-40B4-BE49-F238E27FC236}">
-                <a16:creationId xmlns="" xmlns:a16="http://schemas.microsoft.com/office/drawing/2014/main" id="{CD19D40D-978A-4E04-8450-F6DC61B85399}"/>
+                <a16:creationId xmlns:a16="http://schemas.microsoft.com/office/drawing/2014/main" xmlns="" id="{CD19D40D-978A-4E04-8450-F6DC61B85399}"/>
               </a:ext>
             </a:extLst>
           </p:cNvPr>
@@ -5249,7 +5334,7 @@
           <p:cNvPr id="14" name="图片 13">
             <a:extLst>
               <a:ext uri="{FF2B5EF4-FFF2-40B4-BE49-F238E27FC236}">
-                <a16:creationId xmlns="" xmlns:a16="http://schemas.microsoft.com/office/drawing/2014/main" id="{299860AF-0C43-4649-A586-85D19517B6FC}"/>
+                <a16:creationId xmlns:a16="http://schemas.microsoft.com/office/drawing/2014/main" xmlns="" id="{299860AF-0C43-4649-A586-85D19517B6FC}"/>
               </a:ext>
             </a:extLst>
           </p:cNvPr>
@@ -5286,7 +5371,7 @@
           <p:cNvPr id="15" name="图片 14">
             <a:extLst>
               <a:ext uri="{FF2B5EF4-FFF2-40B4-BE49-F238E27FC236}">
-                <a16:creationId xmlns="" xmlns:a16="http://schemas.microsoft.com/office/drawing/2014/main" id="{A6130A4D-8EC7-4AC1-B434-55DC69102864}"/>
+                <a16:creationId xmlns:a16="http://schemas.microsoft.com/office/drawing/2014/main" xmlns="" id="{A6130A4D-8EC7-4AC1-B434-55DC69102864}"/>
               </a:ext>
             </a:extLst>
           </p:cNvPr>
@@ -5353,7 +5438,7 @@
           <p:cNvPr id="3" name="矩形 2">
             <a:extLst>
               <a:ext uri="{FF2B5EF4-FFF2-40B4-BE49-F238E27FC236}">
-                <a16:creationId xmlns="" xmlns:a16="http://schemas.microsoft.com/office/drawing/2014/main" id="{554DB237-C74A-4BA8-A097-6A053DD3C747}"/>
+                <a16:creationId xmlns:a16="http://schemas.microsoft.com/office/drawing/2014/main" xmlns="" id="{554DB237-C74A-4BA8-A097-6A053DD3C747}"/>
               </a:ext>
             </a:extLst>
           </p:cNvPr>
@@ -5423,7 +5508,7 @@
           <p:cNvPr id="4" name="矩形 3">
             <a:extLst>
               <a:ext uri="{FF2B5EF4-FFF2-40B4-BE49-F238E27FC236}">
-                <a16:creationId xmlns="" xmlns:a16="http://schemas.microsoft.com/office/drawing/2014/main" id="{4172DAD1-F67C-4AB8-ACEF-004237CB3D3F}"/>
+                <a16:creationId xmlns:a16="http://schemas.microsoft.com/office/drawing/2014/main" xmlns="" id="{4172DAD1-F67C-4AB8-ACEF-004237CB3D3F}"/>
               </a:ext>
             </a:extLst>
           </p:cNvPr>
@@ -5479,7 +5564,7 @@
           <p:cNvPr id="5" name="图片 4">
             <a:extLst>
               <a:ext uri="{FF2B5EF4-FFF2-40B4-BE49-F238E27FC236}">
-                <a16:creationId xmlns="" xmlns:a16="http://schemas.microsoft.com/office/drawing/2014/main" id="{F300B558-79C0-475E-84A0-11700A36CAB6}"/>
+                <a16:creationId xmlns:a16="http://schemas.microsoft.com/office/drawing/2014/main" xmlns="" id="{F300B558-79C0-475E-84A0-11700A36CAB6}"/>
               </a:ext>
             </a:extLst>
           </p:cNvPr>
@@ -5516,7 +5601,7 @@
           <p:cNvPr id="6" name="图片 5">
             <a:extLst>
               <a:ext uri="{FF2B5EF4-FFF2-40B4-BE49-F238E27FC236}">
-                <a16:creationId xmlns="" xmlns:a16="http://schemas.microsoft.com/office/drawing/2014/main" id="{ADFDE997-A67B-4FD0-B6AC-78D1EFE63489}"/>
+                <a16:creationId xmlns:a16="http://schemas.microsoft.com/office/drawing/2014/main" xmlns="" id="{ADFDE997-A67B-4FD0-B6AC-78D1EFE63489}"/>
               </a:ext>
             </a:extLst>
           </p:cNvPr>
@@ -5553,7 +5638,7 @@
           <p:cNvPr id="7" name="文本框 6">
             <a:extLst>
               <a:ext uri="{FF2B5EF4-FFF2-40B4-BE49-F238E27FC236}">
-                <a16:creationId xmlns="" xmlns:a16="http://schemas.microsoft.com/office/drawing/2014/main" id="{3E1E676E-E869-48CE-BFB9-1C7FC981B376}"/>
+                <a16:creationId xmlns:a16="http://schemas.microsoft.com/office/drawing/2014/main" xmlns="" id="{3E1E676E-E869-48CE-BFB9-1C7FC981B376}"/>
               </a:ext>
             </a:extLst>
           </p:cNvPr>
@@ -5607,7 +5692,7 @@
           <p:cNvPr id="8" name="文本框 7">
             <a:extLst>
               <a:ext uri="{FF2B5EF4-FFF2-40B4-BE49-F238E27FC236}">
-                <a16:creationId xmlns="" xmlns:a16="http://schemas.microsoft.com/office/drawing/2014/main" id="{7768A42A-9DCD-4784-A3EF-F1D80ADC183F}"/>
+                <a16:creationId xmlns:a16="http://schemas.microsoft.com/office/drawing/2014/main" xmlns="" id="{7768A42A-9DCD-4784-A3EF-F1D80ADC183F}"/>
               </a:ext>
             </a:extLst>
           </p:cNvPr>
@@ -5670,7 +5755,7 @@
           <p:cNvPr id="9" name="文本框 8">
             <a:extLst>
               <a:ext uri="{FF2B5EF4-FFF2-40B4-BE49-F238E27FC236}">
-                <a16:creationId xmlns="" xmlns:a16="http://schemas.microsoft.com/office/drawing/2014/main" id="{BF8689A3-CABF-445F-829F-6396154A55D1}"/>
+                <a16:creationId xmlns:a16="http://schemas.microsoft.com/office/drawing/2014/main" xmlns="" id="{BF8689A3-CABF-445F-829F-6396154A55D1}"/>
               </a:ext>
             </a:extLst>
           </p:cNvPr>
@@ -5726,7 +5811,7 @@
           <p:cNvPr id="10" name="图片 9">
             <a:extLst>
               <a:ext uri="{FF2B5EF4-FFF2-40B4-BE49-F238E27FC236}">
-                <a16:creationId xmlns="" xmlns:a16="http://schemas.microsoft.com/office/drawing/2014/main" id="{D7C9996A-24BA-4EE9-BA5A-589E1841918D}"/>
+                <a16:creationId xmlns:a16="http://schemas.microsoft.com/office/drawing/2014/main" xmlns="" id="{D7C9996A-24BA-4EE9-BA5A-589E1841918D}"/>
               </a:ext>
             </a:extLst>
           </p:cNvPr>
@@ -5793,7 +5878,7 @@
           <p:cNvPr id="3" name="矩形 2">
             <a:extLst>
               <a:ext uri="{FF2B5EF4-FFF2-40B4-BE49-F238E27FC236}">
-                <a16:creationId xmlns="" xmlns:a16="http://schemas.microsoft.com/office/drawing/2014/main" id="{F3BB9638-2D2F-48B1-A8CF-673B237DCC17}"/>
+                <a16:creationId xmlns:a16="http://schemas.microsoft.com/office/drawing/2014/main" xmlns="" id="{F3BB9638-2D2F-48B1-A8CF-673B237DCC17}"/>
               </a:ext>
             </a:extLst>
           </p:cNvPr>
@@ -5852,7 +5937,7 @@
           <p:cNvPr id="4" name="矩形: 圆角 3">
             <a:extLst>
               <a:ext uri="{FF2B5EF4-FFF2-40B4-BE49-F238E27FC236}">
-                <a16:creationId xmlns="" xmlns:a16="http://schemas.microsoft.com/office/drawing/2014/main" id="{120C7C91-35F0-46E5-B511-2314CED2655F}"/>
+                <a16:creationId xmlns:a16="http://schemas.microsoft.com/office/drawing/2014/main" xmlns="" id="{120C7C91-35F0-46E5-B511-2314CED2655F}"/>
               </a:ext>
             </a:extLst>
           </p:cNvPr>
@@ -5924,7 +6009,7 @@
           <p:cNvPr id="5" name="图片 4" descr="图片包含 纵横字谜, 文字&#10;&#10;已生成极高可信度的说明">
             <a:extLst>
               <a:ext uri="{FF2B5EF4-FFF2-40B4-BE49-F238E27FC236}">
-                <a16:creationId xmlns="" xmlns:a16="http://schemas.microsoft.com/office/drawing/2014/main" id="{25779B21-3BC1-4E47-8650-6B0E785B5142}"/>
+                <a16:creationId xmlns:a16="http://schemas.microsoft.com/office/drawing/2014/main" xmlns="" id="{25779B21-3BC1-4E47-8650-6B0E785B5142}"/>
               </a:ext>
             </a:extLst>
           </p:cNvPr>
@@ -5965,7 +6050,7 @@
           <p:cNvPr id="6" name="文本框 5">
             <a:extLst>
               <a:ext uri="{FF2B5EF4-FFF2-40B4-BE49-F238E27FC236}">
-                <a16:creationId xmlns="" xmlns:a16="http://schemas.microsoft.com/office/drawing/2014/main" id="{343024A3-25F7-4B9A-9876-36F35421F6E6}"/>
+                <a16:creationId xmlns:a16="http://schemas.microsoft.com/office/drawing/2014/main" xmlns="" id="{343024A3-25F7-4B9A-9876-36F35421F6E6}"/>
               </a:ext>
             </a:extLst>
           </p:cNvPr>
@@ -6201,7 +6286,7 @@
             <a:hlinkClick r:id="rId3"/>
             <a:extLst>
               <a:ext uri="{FF2B5EF4-FFF2-40B4-BE49-F238E27FC236}">
-                <a16:creationId xmlns="" xmlns:a16="http://schemas.microsoft.com/office/drawing/2014/main" id="{5524D02C-49CE-4D3D-8B89-07CEC3966F49}"/>
+                <a16:creationId xmlns:a16="http://schemas.microsoft.com/office/drawing/2014/main" xmlns="" id="{5524D02C-49CE-4D3D-8B89-07CEC3966F49}"/>
               </a:ext>
             </a:extLst>
           </p:cNvPr>
@@ -6276,7 +6361,7 @@
           <p:cNvPr id="4" name="直接连接符 3">
             <a:extLst>
               <a:ext uri="{FF2B5EF4-FFF2-40B4-BE49-F238E27FC236}">
-                <a16:creationId xmlns="" xmlns:a16="http://schemas.microsoft.com/office/drawing/2014/main" id="{3E71CC84-193F-4D28-98D9-17F9952F968C}"/>
+                <a16:creationId xmlns:a16="http://schemas.microsoft.com/office/drawing/2014/main" xmlns="" id="{3E71CC84-193F-4D28-98D9-17F9952F968C}"/>
               </a:ext>
             </a:extLst>
           </p:cNvPr>
@@ -6317,7 +6402,7 @@
           <p:cNvPr id="6" name="矩形 5">
             <a:extLst>
               <a:ext uri="{FF2B5EF4-FFF2-40B4-BE49-F238E27FC236}">
-                <a16:creationId xmlns="" xmlns:a16="http://schemas.microsoft.com/office/drawing/2014/main" id="{23A9F197-1133-4CEE-860F-85366976D0AC}"/>
+                <a16:creationId xmlns:a16="http://schemas.microsoft.com/office/drawing/2014/main" xmlns="" id="{23A9F197-1133-4CEE-860F-85366976D0AC}"/>
               </a:ext>
             </a:extLst>
           </p:cNvPr>
@@ -6376,7 +6461,7 @@
           <p:cNvPr id="8" name="矩形: 圆角 7">
             <a:extLst>
               <a:ext uri="{FF2B5EF4-FFF2-40B4-BE49-F238E27FC236}">
-                <a16:creationId xmlns="" xmlns:a16="http://schemas.microsoft.com/office/drawing/2014/main" id="{AA954438-2CEB-4119-883B-8B9196F98504}"/>
+                <a16:creationId xmlns:a16="http://schemas.microsoft.com/office/drawing/2014/main" xmlns="" id="{AA954438-2CEB-4119-883B-8B9196F98504}"/>
               </a:ext>
             </a:extLst>
           </p:cNvPr>
@@ -6448,7 +6533,7 @@
           <p:cNvPr id="9" name="矩形: 圆角 8">
             <a:extLst>
               <a:ext uri="{FF2B5EF4-FFF2-40B4-BE49-F238E27FC236}">
-                <a16:creationId xmlns="" xmlns:a16="http://schemas.microsoft.com/office/drawing/2014/main" id="{4CD1A364-B227-4CFB-9287-6198C6C0443B}"/>
+                <a16:creationId xmlns:a16="http://schemas.microsoft.com/office/drawing/2014/main" xmlns="" id="{4CD1A364-B227-4CFB-9287-6198C6C0443B}"/>
               </a:ext>
             </a:extLst>
           </p:cNvPr>
@@ -6520,7 +6605,7 @@
           <p:cNvPr id="10" name="文本框 9">
             <a:extLst>
               <a:ext uri="{FF2B5EF4-FFF2-40B4-BE49-F238E27FC236}">
-                <a16:creationId xmlns="" xmlns:a16="http://schemas.microsoft.com/office/drawing/2014/main" id="{BEA6AD26-5781-4DAD-8C16-8C73B2C177AD}"/>
+                <a16:creationId xmlns:a16="http://schemas.microsoft.com/office/drawing/2014/main" xmlns="" id="{BEA6AD26-5781-4DAD-8C16-8C73B2C177AD}"/>
               </a:ext>
             </a:extLst>
           </p:cNvPr>
@@ -6576,7 +6661,7 @@
           <p:cNvPr id="11" name="直接连接符 10">
             <a:extLst>
               <a:ext uri="{FF2B5EF4-FFF2-40B4-BE49-F238E27FC236}">
-                <a16:creationId xmlns="" xmlns:a16="http://schemas.microsoft.com/office/drawing/2014/main" id="{72806FD0-33B9-40F1-B8F9-079524CA002C}"/>
+                <a16:creationId xmlns:a16="http://schemas.microsoft.com/office/drawing/2014/main" xmlns="" id="{72806FD0-33B9-40F1-B8F9-079524CA002C}"/>
               </a:ext>
             </a:extLst>
           </p:cNvPr>
@@ -6619,7 +6704,7 @@
           <p:cNvPr id="12" name="直接连接符 11">
             <a:extLst>
               <a:ext uri="{FF2B5EF4-FFF2-40B4-BE49-F238E27FC236}">
-                <a16:creationId xmlns="" xmlns:a16="http://schemas.microsoft.com/office/drawing/2014/main" id="{159FFD7E-3944-43A3-A5DD-D8673483D044}"/>
+                <a16:creationId xmlns:a16="http://schemas.microsoft.com/office/drawing/2014/main" xmlns="" id="{159FFD7E-3944-43A3-A5DD-D8673483D044}"/>
               </a:ext>
             </a:extLst>
           </p:cNvPr>
@@ -6662,7 +6747,7 @@
           <p:cNvPr id="13" name="矩形: 圆角 12">
             <a:extLst>
               <a:ext uri="{FF2B5EF4-FFF2-40B4-BE49-F238E27FC236}">
-                <a16:creationId xmlns="" xmlns:a16="http://schemas.microsoft.com/office/drawing/2014/main" id="{C76706F4-B20C-489C-ACB9-010EF43FEF70}"/>
+                <a16:creationId xmlns:a16="http://schemas.microsoft.com/office/drawing/2014/main" xmlns="" id="{C76706F4-B20C-489C-ACB9-010EF43FEF70}"/>
               </a:ext>
             </a:extLst>
           </p:cNvPr>
@@ -6734,7 +6819,7 @@
           <p:cNvPr id="14" name="图片 13">
             <a:extLst>
               <a:ext uri="{FF2B5EF4-FFF2-40B4-BE49-F238E27FC236}">
-                <a16:creationId xmlns="" xmlns:a16="http://schemas.microsoft.com/office/drawing/2014/main" id="{C50F7A0F-4C8A-4DA1-8AA3-1810FF4E70A3}"/>
+                <a16:creationId xmlns:a16="http://schemas.microsoft.com/office/drawing/2014/main" xmlns="" id="{C50F7A0F-4C8A-4DA1-8AA3-1810FF4E70A3}"/>
               </a:ext>
             </a:extLst>
           </p:cNvPr>
@@ -6774,7 +6859,7 @@
           <p:cNvPr id="15" name="图片 14">
             <a:extLst>
               <a:ext uri="{FF2B5EF4-FFF2-40B4-BE49-F238E27FC236}">
-                <a16:creationId xmlns="" xmlns:a16="http://schemas.microsoft.com/office/drawing/2014/main" id="{260AD2DE-F13F-4332-90AE-87C7001EAD9A}"/>
+                <a16:creationId xmlns:a16="http://schemas.microsoft.com/office/drawing/2014/main" xmlns="" id="{260AD2DE-F13F-4332-90AE-87C7001EAD9A}"/>
               </a:ext>
             </a:extLst>
           </p:cNvPr>
@@ -6814,7 +6899,7 @@
           <p:cNvPr id="16" name="图片 15">
             <a:extLst>
               <a:ext uri="{FF2B5EF4-FFF2-40B4-BE49-F238E27FC236}">
-                <a16:creationId xmlns="" xmlns:a16="http://schemas.microsoft.com/office/drawing/2014/main" id="{19418449-E7C2-4E37-8045-DD4782B12524}"/>
+                <a16:creationId xmlns:a16="http://schemas.microsoft.com/office/drawing/2014/main" xmlns="" id="{19418449-E7C2-4E37-8045-DD4782B12524}"/>
               </a:ext>
             </a:extLst>
           </p:cNvPr>
@@ -6855,7 +6940,7 @@
           <p:cNvPr id="17" name="文本框 16">
             <a:extLst>
               <a:ext uri="{FF2B5EF4-FFF2-40B4-BE49-F238E27FC236}">
-                <a16:creationId xmlns="" xmlns:a16="http://schemas.microsoft.com/office/drawing/2014/main" id="{9A11A6D6-1DBD-4A10-8942-D3DDC4E182E9}"/>
+                <a16:creationId xmlns:a16="http://schemas.microsoft.com/office/drawing/2014/main" xmlns="" id="{9A11A6D6-1DBD-4A10-8942-D3DDC4E182E9}"/>
               </a:ext>
             </a:extLst>
           </p:cNvPr>
@@ -7013,7 +7098,7 @@
           <p:cNvPr id="18" name="文本框 17">
             <a:extLst>
               <a:ext uri="{FF2B5EF4-FFF2-40B4-BE49-F238E27FC236}">
-                <a16:creationId xmlns="" xmlns:a16="http://schemas.microsoft.com/office/drawing/2014/main" id="{6274E825-3465-469E-BD06-097F250CA889}"/>
+                <a16:creationId xmlns:a16="http://schemas.microsoft.com/office/drawing/2014/main" xmlns="" id="{6274E825-3465-469E-BD06-097F250CA889}"/>
               </a:ext>
             </a:extLst>
           </p:cNvPr>
@@ -7114,7 +7199,7 @@
           <p:cNvPr id="19" name="文本框 18">
             <a:extLst>
               <a:ext uri="{FF2B5EF4-FFF2-40B4-BE49-F238E27FC236}">
-                <a16:creationId xmlns="" xmlns:a16="http://schemas.microsoft.com/office/drawing/2014/main" id="{4EC4AC92-2800-4841-84A3-26E495F2D178}"/>
+                <a16:creationId xmlns:a16="http://schemas.microsoft.com/office/drawing/2014/main" xmlns="" id="{4EC4AC92-2800-4841-84A3-26E495F2D178}"/>
               </a:ext>
             </a:extLst>
           </p:cNvPr>
@@ -7215,7 +7300,7 @@
           <p:cNvPr id="20" name="直接连接符 19">
             <a:extLst>
               <a:ext uri="{FF2B5EF4-FFF2-40B4-BE49-F238E27FC236}">
-                <a16:creationId xmlns="" xmlns:a16="http://schemas.microsoft.com/office/drawing/2014/main" id="{F3D082CA-914B-42B8-A86E-16893B7234C9}"/>
+                <a16:creationId xmlns:a16="http://schemas.microsoft.com/office/drawing/2014/main" xmlns="" id="{F3D082CA-914B-42B8-A86E-16893B7234C9}"/>
               </a:ext>
             </a:extLst>
           </p:cNvPr>
@@ -7257,7 +7342,7 @@
           <p:cNvPr id="21" name="直接连接符 20">
             <a:extLst>
               <a:ext uri="{FF2B5EF4-FFF2-40B4-BE49-F238E27FC236}">
-                <a16:creationId xmlns="" xmlns:a16="http://schemas.microsoft.com/office/drawing/2014/main" id="{5421E3BB-42AC-4DCD-9031-7215136A1844}"/>
+                <a16:creationId xmlns:a16="http://schemas.microsoft.com/office/drawing/2014/main" xmlns="" id="{5421E3BB-42AC-4DCD-9031-7215136A1844}"/>
               </a:ext>
             </a:extLst>
           </p:cNvPr>
@@ -7300,7 +7385,7 @@
             <a:hlinkClick r:id="rId5"/>
             <a:extLst>
               <a:ext uri="{FF2B5EF4-FFF2-40B4-BE49-F238E27FC236}">
-                <a16:creationId xmlns="" xmlns:a16="http://schemas.microsoft.com/office/drawing/2014/main" id="{46C855E7-2DCA-4970-A954-7CB7F69FADAB}"/>
+                <a16:creationId xmlns:a16="http://schemas.microsoft.com/office/drawing/2014/main" xmlns="" id="{46C855E7-2DCA-4970-A954-7CB7F69FADAB}"/>
               </a:ext>
             </a:extLst>
           </p:cNvPr>
@@ -15789,12 +15874,9 @@
           <a:p>
             <a:r>
               <a:rPr lang="zh-CN" altLang="en-US" sz="1800" dirty="0" smtClean="0"/>
-              <a:t>测试结果</a:t>
-            </a:r>
-            <a:r>
-              <a:rPr lang="zh-CN" altLang="en-US" sz="1800" dirty="0"/>
-              <a:t>评审</a:t>
-            </a:r>
+              <a:t>为什么我们如此优秀？</a:t>
+            </a:r>
+            <a:endParaRPr lang="zh-CN" altLang="en-US" sz="1800" dirty="0"/>
           </a:p>
         </p:txBody>
       </p:sp>
@@ -22533,10 +22615,7 @@
           <a:bodyPr/>
           <a:lstStyle/>
           <a:p>
-            <a:r>
-              <a:rPr lang="zh-CN" altLang="en-US" dirty="0"/>
-              <a:t>需求与设计的可追踪性</a:t>
-            </a:r>
+            <a:endParaRPr lang="zh-CN" altLang="en-US" dirty="0"/>
           </a:p>
         </p:txBody>
       </p:sp>
@@ -22609,811 +22688,6 @@
           </a:p>
         </p:txBody>
       </p:sp>
-      <p:graphicFrame>
-        <p:nvGraphicFramePr>
-          <p:cNvPr id="2" name="表格 1"/>
-          <p:cNvGraphicFramePr/>
-          <p:nvPr/>
-        </p:nvGraphicFramePr>
-        <p:xfrm>
-          <a:off x="1194435" y="963295"/>
-          <a:ext cx="9803130" cy="5840730"/>
-        </p:xfrm>
-        <a:graphic>
-          <a:graphicData uri="http://schemas.openxmlformats.org/drawingml/2006/table">
-            <a:tbl>
-              <a:tblPr firstRow="1" bandRow="1">
-                <a:tableStyleId>{21E4AEA4-8DFA-4A89-87EB-49C32662AFE0}</a:tableStyleId>
-              </a:tblPr>
-              <a:tblGrid>
-                <a:gridCol w="1288415"/>
-                <a:gridCol w="4210050"/>
-                <a:gridCol w="4304665"/>
-              </a:tblGrid>
-              <a:tr h="457200">
-                <a:tc>
-                  <a:txBody>
-                    <a:bodyPr/>
-                    <a:lstStyle/>
-                    <a:p>
-                      <a:pPr algn="ctr">
-                        <a:buNone/>
-                      </a:pPr>
-                      <a:r>
-                        <a:rPr lang="zh-CN" altLang="en-US"/>
-                        <a:t>需求</a:t>
-                      </a:r>
-                    </a:p>
-                  </a:txBody>
-                  <a:tcPr anchor="ctr"/>
-                </a:tc>
-                <a:tc>
-                  <a:txBody>
-                    <a:bodyPr/>
-                    <a:lstStyle/>
-                    <a:p>
-                      <a:pPr algn="ctr">
-                        <a:buNone/>
-                      </a:pPr>
-                      <a:r>
-                        <a:rPr lang="zh-CN" altLang="en-US"/>
-                        <a:t>需求概述</a:t>
-                      </a:r>
-                    </a:p>
-                  </a:txBody>
-                  <a:tcPr anchor="ctr"/>
-                </a:tc>
-                <a:tc>
-                  <a:txBody>
-                    <a:bodyPr/>
-                    <a:lstStyle/>
-                    <a:p>
-                      <a:pPr algn="ctr">
-                        <a:buNone/>
-                      </a:pPr>
-                      <a:r>
-                        <a:rPr lang="zh-CN" altLang="en-US"/>
-                        <a:t>测试用例编号</a:t>
-                      </a:r>
-                    </a:p>
-                  </a:txBody>
-                  <a:tcPr anchor="ctr"/>
-                </a:tc>
-              </a:tr>
-              <a:tr h="381000">
-                <a:tc>
-                  <a:txBody>
-                    <a:bodyPr/>
-                    <a:lstStyle/>
-                    <a:p>
-                      <a:pPr indent="0" algn="ctr">
-                        <a:buNone/>
-                      </a:pPr>
-                      <a:r>
-                        <a:rPr lang="zh-CN" altLang="en-US" sz="1865" b="1" kern="0" dirty="0">
-                          <a:solidFill>
-                            <a:schemeClr val="accent2"/>
-                          </a:solidFill>
-                          <a:latin typeface="+mj-ea"/>
-                        </a:rPr>
-                        <a:t>避障</a:t>
-                      </a:r>
-                    </a:p>
-                  </a:txBody>
-                  <a:tcPr marL="68580" marR="68580" marT="0" marB="0" anchor="ctr"/>
-                </a:tc>
-                <a:tc>
-                  <a:txBody>
-                    <a:bodyPr/>
-                    <a:lstStyle/>
-                    <a:p>
-                      <a:pPr indent="0" algn="ctr">
-                        <a:buNone/>
-                      </a:pPr>
-                      <a:r>
-                        <a:rPr lang="zh-CN" altLang="en-US" sz="1865" b="1" kern="0" dirty="0">
-                          <a:solidFill>
-                            <a:schemeClr val="accent2"/>
-                          </a:solidFill>
-                          <a:latin typeface="+mj-ea"/>
-                        </a:rPr>
-                        <a:t>实时监测障碍物并躲避</a:t>
-                      </a:r>
-                    </a:p>
-                  </a:txBody>
-                  <a:tcPr marL="68580" marR="68580" marT="0" marB="0" anchor="ctr"/>
-                </a:tc>
-                <a:tc>
-                  <a:txBody>
-                    <a:bodyPr/>
-                    <a:lstStyle/>
-                    <a:p>
-                      <a:pPr algn="ctr">
-                        <a:buNone/>
-                      </a:pPr>
-                      <a:r>
-                        <a:rPr lang="en-US" altLang="zh-CN" sz="1865" b="1" kern="0" dirty="0">
-                          <a:solidFill>
-                            <a:schemeClr val="accent2"/>
-                          </a:solidFill>
-                          <a:latin typeface="+mj-ea"/>
-                        </a:rPr>
-                        <a:t>KL-C-A-(1-2)</a:t>
-                      </a:r>
-                    </a:p>
-                  </a:txBody>
-                  <a:tcPr anchor="ctr"/>
-                </a:tc>
-              </a:tr>
-              <a:tr h="381000">
-                <a:tc>
-                  <a:txBody>
-                    <a:bodyPr/>
-                    <a:lstStyle/>
-                    <a:p>
-                      <a:pPr indent="0" algn="ctr">
-                        <a:buNone/>
-                      </a:pPr>
-                      <a:r>
-                        <a:rPr lang="zh-CN" altLang="en-US" sz="1865" b="1" kern="0" dirty="0">
-                          <a:solidFill>
-                            <a:schemeClr val="accent2"/>
-                          </a:solidFill>
-                          <a:latin typeface="+mj-ea"/>
-                        </a:rPr>
-                        <a:t>路径规划</a:t>
-                      </a:r>
-                    </a:p>
-                  </a:txBody>
-                  <a:tcPr marL="68580" marR="68580" marT="0" marB="0" anchor="ctr"/>
-                </a:tc>
-                <a:tc>
-                  <a:txBody>
-                    <a:bodyPr/>
-                    <a:lstStyle/>
-                    <a:p>
-                      <a:pPr indent="0" algn="ctr">
-                        <a:buNone/>
-                      </a:pPr>
-                      <a:r>
-                        <a:rPr lang="zh-CN" altLang="en-US" sz="1865" b="1" kern="0" dirty="0">
-                          <a:solidFill>
-                            <a:schemeClr val="accent2"/>
-                          </a:solidFill>
-                          <a:latin typeface="+mj-ea"/>
-                        </a:rPr>
-                        <a:t>进行全局路径规划</a:t>
-                      </a:r>
-                    </a:p>
-                  </a:txBody>
-                  <a:tcPr marL="68580" marR="68580" marT="0" marB="0" anchor="ctr"/>
-                </a:tc>
-                <a:tc>
-                  <a:txBody>
-                    <a:bodyPr/>
-                    <a:lstStyle/>
-                    <a:p>
-                      <a:pPr algn="ctr">
-                        <a:buNone/>
-                      </a:pPr>
-                      <a:r>
-                        <a:rPr lang="en-US" altLang="zh-CN" sz="1865" b="1" kern="0" dirty="0">
-                          <a:solidFill>
-                            <a:schemeClr val="accent2"/>
-                          </a:solidFill>
-                          <a:latin typeface="+mj-ea"/>
-                        </a:rPr>
-                        <a:t>KL-C-P-1</a:t>
-                      </a:r>
-                    </a:p>
-                  </a:txBody>
-                  <a:tcPr anchor="ctr"/>
-                </a:tc>
-              </a:tr>
-              <a:tr h="381000">
-                <a:tc>
-                  <a:txBody>
-                    <a:bodyPr/>
-                    <a:lstStyle/>
-                    <a:p>
-                      <a:pPr indent="0" algn="ctr">
-                        <a:buNone/>
-                      </a:pPr>
-                      <a:r>
-                        <a:rPr lang="zh-CN" altLang="en-US" sz="1865" b="1" kern="0" dirty="0">
-                          <a:solidFill>
-                            <a:schemeClr val="accent2"/>
-                          </a:solidFill>
-                          <a:latin typeface="+mj-ea"/>
-                        </a:rPr>
-                        <a:t>开关</a:t>
-                      </a:r>
-                    </a:p>
-                  </a:txBody>
-                  <a:tcPr marL="68580" marR="68580" marT="0" marB="0" anchor="ctr"/>
-                </a:tc>
-                <a:tc>
-                  <a:txBody>
-                    <a:bodyPr/>
-                    <a:lstStyle/>
-                    <a:p>
-                      <a:pPr indent="0" algn="ctr">
-                        <a:buNone/>
-                      </a:pPr>
-                      <a:r>
-                        <a:rPr lang="zh-CN" altLang="en-US" sz="1865" b="1" kern="0" dirty="0">
-                          <a:solidFill>
-                            <a:schemeClr val="accent2"/>
-                          </a:solidFill>
-                          <a:latin typeface="+mj-ea"/>
-                        </a:rPr>
-                        <a:t>通过机载电脑</a:t>
-                      </a:r>
-                      <a:r>
-                        <a:rPr lang="en-US" altLang="zh-CN" sz="1865" b="1" kern="0" dirty="0">
-                          <a:solidFill>
-                            <a:schemeClr val="accent2"/>
-                          </a:solidFill>
-                          <a:latin typeface="+mj-ea"/>
-                        </a:rPr>
-                        <a:t>/</a:t>
-                      </a:r>
-                      <a:r>
-                        <a:rPr lang="zh-CN" altLang="en-US" sz="1865" b="1" kern="0" dirty="0">
-                          <a:solidFill>
-                            <a:schemeClr val="accent2"/>
-                          </a:solidFill>
-                          <a:latin typeface="+mj-ea"/>
-                        </a:rPr>
-                        <a:t>网页启动/关闭机器人</a:t>
-                      </a:r>
-                    </a:p>
-                  </a:txBody>
-                  <a:tcPr marL="68580" marR="68580" marT="0" marB="0" anchor="ctr"/>
-                </a:tc>
-                <a:tc>
-                  <a:txBody>
-                    <a:bodyPr/>
-                    <a:lstStyle/>
-                    <a:p>
-                      <a:pPr algn="ctr">
-                        <a:buNone/>
-                      </a:pPr>
-                      <a:r>
-                        <a:rPr lang="en-US" altLang="zh-CN" sz="1865" b="1" kern="0" dirty="0">
-                          <a:solidFill>
-                            <a:schemeClr val="accent2"/>
-                          </a:solidFill>
-                          <a:latin typeface="+mj-ea"/>
-                        </a:rPr>
-                        <a:t>KL-C-L-1</a:t>
-                      </a:r>
-                    </a:p>
-                    <a:p>
-                      <a:pPr algn="ctr">
-                        <a:buNone/>
-                      </a:pPr>
-                      <a:r>
-                        <a:rPr lang="en-US" altLang="zh-CN" sz="1865" b="1" kern="0" dirty="0">
-                          <a:solidFill>
-                            <a:schemeClr val="accent2"/>
-                          </a:solidFill>
-                          <a:latin typeface="+mj-ea"/>
-                        </a:rPr>
-                        <a:t>KL-C-W-1</a:t>
-                      </a:r>
-                    </a:p>
-                  </a:txBody>
-                  <a:tcPr anchor="ctr"/>
-                </a:tc>
-              </a:tr>
-              <a:tr h="381000">
-                <a:tc>
-                  <a:txBody>
-                    <a:bodyPr/>
-                    <a:lstStyle/>
-                    <a:p>
-                      <a:pPr indent="0" algn="ctr">
-                        <a:buNone/>
-                      </a:pPr>
-                      <a:r>
-                        <a:rPr lang="zh-CN" altLang="en-US" sz="1865" b="1" kern="0" dirty="0">
-                          <a:solidFill>
-                            <a:schemeClr val="accent2"/>
-                          </a:solidFill>
-                          <a:latin typeface="+mj-ea"/>
-                        </a:rPr>
-                        <a:t>建图</a:t>
-                      </a:r>
-                    </a:p>
-                  </a:txBody>
-                  <a:tcPr marL="68580" marR="68580" marT="0" marB="0" anchor="ctr"/>
-                </a:tc>
-                <a:tc>
-                  <a:txBody>
-                    <a:bodyPr/>
-                    <a:lstStyle/>
-                    <a:p>
-                      <a:pPr indent="0" algn="ctr">
-                        <a:buNone/>
-                      </a:pPr>
-                      <a:r>
-                        <a:rPr lang="zh-CN" altLang="en-US" sz="1865" b="1" kern="0" dirty="0">
-                          <a:solidFill>
-                            <a:schemeClr val="accent2"/>
-                          </a:solidFill>
-                          <a:latin typeface="+mj-ea"/>
-                        </a:rPr>
-                        <a:t>完成初始化地图场景建模</a:t>
-                      </a:r>
-                    </a:p>
-                  </a:txBody>
-                  <a:tcPr marL="68580" marR="68580" marT="0" marB="0" anchor="ctr"/>
-                </a:tc>
-                <a:tc>
-                  <a:txBody>
-                    <a:bodyPr/>
-                    <a:lstStyle/>
-                    <a:p>
-                      <a:pPr algn="ctr">
-                        <a:buNone/>
-                      </a:pPr>
-                      <a:r>
-                        <a:rPr lang="en-US" altLang="zh-CN" sz="1865" b="1" kern="0" dirty="0">
-                          <a:solidFill>
-                            <a:schemeClr val="accent2"/>
-                          </a:solidFill>
-                          <a:latin typeface="+mj-ea"/>
-                        </a:rPr>
-                        <a:t>KL-C-B-1</a:t>
-                      </a:r>
-                    </a:p>
-                    <a:p>
-                      <a:pPr algn="ctr">
-                        <a:buNone/>
-                      </a:pPr>
-                      <a:r>
-                        <a:rPr lang="en-US" altLang="zh-CN" sz="1860" b="1" kern="0" dirty="0">
-                          <a:solidFill>
-                            <a:schemeClr val="accent2"/>
-                          </a:solidFill>
-                          <a:latin typeface="+mj-ea"/>
-                          <a:sym typeface="+mn-ea"/>
-                        </a:rPr>
-                        <a:t>KL-C-V-(1-5)</a:t>
-                      </a:r>
-                      <a:endParaRPr lang="en-US" altLang="zh-CN" sz="1865" b="1" kern="0" dirty="0">
-                        <a:solidFill>
-                          <a:schemeClr val="accent2"/>
-                        </a:solidFill>
-                        <a:latin typeface="+mj-ea"/>
-                      </a:endParaRPr>
-                    </a:p>
-                  </a:txBody>
-                  <a:tcPr anchor="ctr"/>
-                </a:tc>
-              </a:tr>
-              <a:tr h="381000">
-                <a:tc>
-                  <a:txBody>
-                    <a:bodyPr/>
-                    <a:lstStyle/>
-                    <a:p>
-                      <a:pPr indent="0" algn="ctr">
-                        <a:buNone/>
-                      </a:pPr>
-                      <a:r>
-                        <a:rPr lang="zh-CN" altLang="en-US" sz="1865" b="1" kern="0" dirty="0">
-                          <a:solidFill>
-                            <a:schemeClr val="accent2"/>
-                          </a:solidFill>
-                          <a:latin typeface="+mj-ea"/>
-                        </a:rPr>
-                        <a:t>标点</a:t>
-                      </a:r>
-                    </a:p>
-                  </a:txBody>
-                  <a:tcPr marL="68580" marR="68580" marT="0" marB="0" anchor="ctr"/>
-                </a:tc>
-                <a:tc>
-                  <a:txBody>
-                    <a:bodyPr/>
-                    <a:lstStyle/>
-                    <a:p>
-                      <a:pPr indent="0" algn="ctr">
-                        <a:buNone/>
-                      </a:pPr>
-                      <a:r>
-                        <a:rPr lang="zh-CN" altLang="en-US" sz="1865" b="1" kern="0" dirty="0">
-                          <a:solidFill>
-                            <a:schemeClr val="accent2"/>
-                          </a:solidFill>
-                          <a:latin typeface="+mj-ea"/>
-                        </a:rPr>
-                        <a:t>可通过语音指令记录关键物品地点</a:t>
-                      </a:r>
-                    </a:p>
-                  </a:txBody>
-                  <a:tcPr marL="68580" marR="68580" marT="0" marB="0" anchor="ctr"/>
-                </a:tc>
-                <a:tc>
-                  <a:txBody>
-                    <a:bodyPr/>
-                    <a:lstStyle/>
-                    <a:p>
-                      <a:pPr algn="ctr">
-                        <a:buNone/>
-                      </a:pPr>
-                      <a:r>
-                        <a:rPr lang="en-US" altLang="zh-CN" sz="1865" b="1" kern="0" dirty="0">
-                          <a:solidFill>
-                            <a:schemeClr val="accent2"/>
-                          </a:solidFill>
-                          <a:latin typeface="+mj-ea"/>
-                        </a:rPr>
-                        <a:t>KL-C-M-(1-6)</a:t>
-                      </a:r>
-                    </a:p>
-                    <a:p>
-                      <a:pPr algn="ctr">
-                        <a:buNone/>
-                      </a:pPr>
-                      <a:r>
-                        <a:rPr lang="en-US" altLang="zh-CN" sz="1865" b="1" kern="0" dirty="0">
-                          <a:solidFill>
-                            <a:schemeClr val="accent2"/>
-                          </a:solidFill>
-                          <a:latin typeface="+mj-ea"/>
-                        </a:rPr>
-                        <a:t>KL-C-V-(1-5)</a:t>
-                      </a:r>
-                    </a:p>
-                  </a:txBody>
-                  <a:tcPr anchor="ctr"/>
-                </a:tc>
-              </a:tr>
-              <a:tr h="381000">
-                <a:tc>
-                  <a:txBody>
-                    <a:bodyPr/>
-                    <a:lstStyle/>
-                    <a:p>
-                      <a:pPr indent="0" algn="ctr">
-                        <a:buNone/>
-                      </a:pPr>
-                      <a:r>
-                        <a:rPr lang="zh-CN" altLang="en-US" sz="1865" b="1" kern="0" dirty="0">
-                          <a:solidFill>
-                            <a:schemeClr val="accent2"/>
-                          </a:solidFill>
-                          <a:latin typeface="+mj-ea"/>
-                        </a:rPr>
-                        <a:t>抓取</a:t>
-                      </a:r>
-                    </a:p>
-                  </a:txBody>
-                  <a:tcPr marL="68580" marR="68580" marT="0" marB="0" anchor="ctr"/>
-                </a:tc>
-                <a:tc>
-                  <a:txBody>
-                    <a:bodyPr/>
-                    <a:lstStyle/>
-                    <a:p>
-                      <a:pPr indent="0" algn="ctr">
-                        <a:buNone/>
-                      </a:pPr>
-                      <a:r>
-                        <a:rPr lang="zh-CN" altLang="en-US" sz="1865" b="1" kern="0" dirty="0">
-                          <a:solidFill>
-                            <a:schemeClr val="accent2"/>
-                          </a:solidFill>
-                          <a:latin typeface="+mj-ea"/>
-                        </a:rPr>
-                        <a:t>通过语音命令机器人抓取指定物品</a:t>
-                      </a:r>
-                    </a:p>
-                  </a:txBody>
-                  <a:tcPr marL="68580" marR="68580" marT="0" marB="0" anchor="ctr"/>
-                </a:tc>
-                <a:tc>
-                  <a:txBody>
-                    <a:bodyPr/>
-                    <a:lstStyle/>
-                    <a:p>
-                      <a:pPr algn="ctr">
-                        <a:buNone/>
-                      </a:pPr>
-                      <a:r>
-                        <a:rPr lang="en-US" altLang="zh-CN" sz="1865" b="1" kern="0" dirty="0">
-                          <a:solidFill>
-                            <a:schemeClr val="accent2"/>
-                          </a:solidFill>
-                          <a:latin typeface="+mj-ea"/>
-                        </a:rPr>
-                        <a:t>KL-C-G-(1-3)</a:t>
-                      </a:r>
-                    </a:p>
-                    <a:p>
-                      <a:pPr algn="ctr">
-                        <a:buNone/>
-                      </a:pPr>
-                      <a:r>
-                        <a:rPr lang="en-US" altLang="zh-CN" sz="1860" b="1" kern="0" dirty="0">
-                          <a:solidFill>
-                            <a:schemeClr val="accent2"/>
-                          </a:solidFill>
-                          <a:latin typeface="+mj-ea"/>
-                          <a:sym typeface="+mn-ea"/>
-                        </a:rPr>
-                        <a:t>KL-C-V-(1-5)</a:t>
-                      </a:r>
-                      <a:endParaRPr lang="en-US" altLang="zh-CN" sz="1865" b="1" kern="0" dirty="0">
-                        <a:solidFill>
-                          <a:schemeClr val="accent2"/>
-                        </a:solidFill>
-                        <a:latin typeface="+mj-ea"/>
-                      </a:endParaRPr>
-                    </a:p>
-                  </a:txBody>
-                  <a:tcPr anchor="ctr"/>
-                </a:tc>
-              </a:tr>
-              <a:tr h="381000">
-                <a:tc>
-                  <a:txBody>
-                    <a:bodyPr/>
-                    <a:lstStyle/>
-                    <a:p>
-                      <a:pPr indent="0" algn="ctr">
-                        <a:buNone/>
-                      </a:pPr>
-                      <a:r>
-                        <a:rPr lang="zh-CN" altLang="en-US" sz="1865" b="1" kern="0" dirty="0">
-                          <a:solidFill>
-                            <a:schemeClr val="accent2"/>
-                          </a:solidFill>
-                          <a:latin typeface="+mj-ea"/>
-                        </a:rPr>
-                        <a:t>紧急制动</a:t>
-                      </a:r>
-                    </a:p>
-                  </a:txBody>
-                  <a:tcPr marL="68580" marR="68580" marT="0" marB="0" anchor="ctr"/>
-                </a:tc>
-                <a:tc>
-                  <a:txBody>
-                    <a:bodyPr/>
-                    <a:lstStyle/>
-                    <a:p>
-                      <a:pPr indent="0" algn="ctr">
-                        <a:buNone/>
-                      </a:pPr>
-                      <a:r>
-                        <a:rPr lang="zh-CN" altLang="en-US" sz="1865" b="1" kern="0" dirty="0">
-                          <a:solidFill>
-                            <a:schemeClr val="accent2"/>
-                          </a:solidFill>
-                          <a:latin typeface="+mj-ea"/>
-                        </a:rPr>
-                        <a:t>机器人遇到障碍物可紧急制动</a:t>
-                      </a:r>
-                    </a:p>
-                  </a:txBody>
-                  <a:tcPr marL="68580" marR="68580" marT="0" marB="0" anchor="ctr"/>
-                </a:tc>
-                <a:tc>
-                  <a:txBody>
-                    <a:bodyPr/>
-                    <a:lstStyle/>
-                    <a:p>
-                      <a:pPr algn="ctr">
-                        <a:buNone/>
-                      </a:pPr>
-                      <a:r>
-                        <a:rPr lang="en-US" altLang="zh-CN" sz="1860" b="1" kern="0" dirty="0">
-                          <a:solidFill>
-                            <a:schemeClr val="accent2"/>
-                          </a:solidFill>
-                          <a:latin typeface="+mj-ea"/>
-                          <a:sym typeface="+mn-ea"/>
-                        </a:rPr>
-                        <a:t>KL-C-U-1</a:t>
-                      </a:r>
-                      <a:endParaRPr lang="zh-CN" altLang="en-US" sz="1865" b="1" kern="0" dirty="0">
-                        <a:solidFill>
-                          <a:schemeClr val="accent2"/>
-                        </a:solidFill>
-                        <a:latin typeface="+mj-ea"/>
-                      </a:endParaRPr>
-                    </a:p>
-                  </a:txBody>
-                  <a:tcPr anchor="ctr"/>
-                </a:tc>
-              </a:tr>
-              <a:tr h="381000">
-                <a:tc>
-                  <a:txBody>
-                    <a:bodyPr/>
-                    <a:lstStyle/>
-                    <a:p>
-                      <a:pPr indent="0" algn="ctr">
-                        <a:buNone/>
-                      </a:pPr>
-                      <a:r>
-                        <a:rPr lang="zh-CN" altLang="en-US" sz="1865" b="1" kern="0" dirty="0">
-                          <a:solidFill>
-                            <a:schemeClr val="accent2"/>
-                          </a:solidFill>
-                          <a:latin typeface="+mj-ea"/>
-                        </a:rPr>
-                        <a:t>跟随</a:t>
-                      </a:r>
-                    </a:p>
-                  </a:txBody>
-                  <a:tcPr marL="68580" marR="68580" marT="0" marB="0" anchor="ctr"/>
-                </a:tc>
-                <a:tc>
-                  <a:txBody>
-                    <a:bodyPr/>
-                    <a:lstStyle/>
-                    <a:p>
-                      <a:pPr indent="0" algn="ctr">
-                        <a:buNone/>
-                      </a:pPr>
-                      <a:r>
-                        <a:rPr lang="zh-CN" altLang="en-US" sz="1865" b="1" kern="0" dirty="0">
-                          <a:solidFill>
-                            <a:schemeClr val="accent2"/>
-                          </a:solidFill>
-                          <a:latin typeface="+mj-ea"/>
-                        </a:rPr>
-                        <a:t>机器人跟随工作人员步行引导，能够语音控制结束</a:t>
-                      </a:r>
-                    </a:p>
-                  </a:txBody>
-                  <a:tcPr marL="68580" marR="68580" marT="0" marB="0" anchor="ctr"/>
-                </a:tc>
-                <a:tc>
-                  <a:txBody>
-                    <a:bodyPr/>
-                    <a:lstStyle/>
-                    <a:p>
-                      <a:pPr algn="ctr">
-                        <a:buNone/>
-                      </a:pPr>
-                      <a:r>
-                        <a:rPr lang="en-US" altLang="zh-CN" sz="1865" b="1" kern="0" dirty="0">
-                          <a:solidFill>
-                            <a:schemeClr val="accent2"/>
-                          </a:solidFill>
-                          <a:latin typeface="+mj-ea"/>
-                        </a:rPr>
-                        <a:t>KL-C-F-(1-6)</a:t>
-                      </a:r>
-                    </a:p>
-                    <a:p>
-                      <a:pPr algn="ctr">
-                        <a:buNone/>
-                      </a:pPr>
-                      <a:r>
-                        <a:rPr lang="en-US" altLang="zh-CN" sz="1860" b="1" kern="0" dirty="0">
-                          <a:solidFill>
-                            <a:schemeClr val="accent2"/>
-                          </a:solidFill>
-                          <a:latin typeface="+mj-ea"/>
-                          <a:sym typeface="+mn-ea"/>
-                        </a:rPr>
-                        <a:t>KL-C-V-(1-5)</a:t>
-                      </a:r>
-                      <a:endParaRPr lang="en-US" altLang="zh-CN" sz="1865" b="1" kern="0" dirty="0">
-                        <a:solidFill>
-                          <a:schemeClr val="accent2"/>
-                        </a:solidFill>
-                        <a:latin typeface="+mj-ea"/>
-                      </a:endParaRPr>
-                    </a:p>
-                  </a:txBody>
-                  <a:tcPr anchor="ctr"/>
-                </a:tc>
-              </a:tr>
-              <a:tr h="381000">
-                <a:tc>
-                  <a:txBody>
-                    <a:bodyPr/>
-                    <a:lstStyle/>
-                    <a:p>
-                      <a:pPr indent="0" algn="ctr">
-                        <a:buNone/>
-                      </a:pPr>
-                      <a:r>
-                        <a:rPr lang="zh-CN" altLang="en-US" sz="1865" b="1" kern="0" dirty="0">
-                          <a:solidFill>
-                            <a:schemeClr val="accent2"/>
-                          </a:solidFill>
-                          <a:latin typeface="+mj-ea"/>
-                        </a:rPr>
-                        <a:t>通信</a:t>
-                      </a:r>
-                    </a:p>
-                  </a:txBody>
-                  <a:tcPr marL="68580" marR="68580" marT="0" marB="0" anchor="ctr"/>
-                </a:tc>
-                <a:tc>
-                  <a:txBody>
-                    <a:bodyPr/>
-                    <a:lstStyle/>
-                    <a:p>
-                      <a:pPr indent="0" algn="ctr">
-                        <a:buNone/>
-                      </a:pPr>
-                      <a:r>
-                        <a:rPr lang="zh-CN" altLang="en-US" sz="1865" b="1" kern="0" dirty="0">
-                          <a:solidFill>
-                            <a:schemeClr val="accent2"/>
-                          </a:solidFill>
-                          <a:latin typeface="+mj-ea"/>
-                        </a:rPr>
-                        <a:t>网页控制机器人启动停止，网页显示机器人信息</a:t>
-                      </a:r>
-                    </a:p>
-                  </a:txBody>
-                  <a:tcPr marL="68580" marR="68580" marT="0" marB="0" anchor="ctr"/>
-                </a:tc>
-                <a:tc>
-                  <a:txBody>
-                    <a:bodyPr/>
-                    <a:lstStyle/>
-                    <a:p>
-                      <a:pPr algn="ctr">
-                        <a:buNone/>
-                      </a:pPr>
-                      <a:r>
-                        <a:rPr lang="en-US" altLang="zh-CN" sz="1860" b="1" kern="0" dirty="0">
-                          <a:solidFill>
-                            <a:schemeClr val="accent2"/>
-                          </a:solidFill>
-                          <a:latin typeface="+mj-ea"/>
-                          <a:sym typeface="+mn-ea"/>
-                        </a:rPr>
-                        <a:t>KL-C-W-1</a:t>
-                      </a:r>
-                    </a:p>
-                    <a:p>
-                      <a:pPr algn="ctr">
-                        <a:buNone/>
-                      </a:pPr>
-                      <a:r>
-                        <a:rPr lang="en-US" altLang="zh-CN" sz="1865" b="1" kern="0" dirty="0">
-                          <a:solidFill>
-                            <a:schemeClr val="accent2"/>
-                          </a:solidFill>
-                          <a:latin typeface="+mj-ea"/>
-                        </a:rPr>
-                        <a:t>KL-C-T-1</a:t>
-                      </a:r>
-                    </a:p>
-                    <a:p>
-                      <a:pPr algn="ctr">
-                        <a:buNone/>
-                      </a:pPr>
-                      <a:r>
-                        <a:rPr lang="en-US" altLang="zh-CN" sz="1865" b="1" kern="0" dirty="0">
-                          <a:solidFill>
-                            <a:schemeClr val="accent2"/>
-                          </a:solidFill>
-                          <a:latin typeface="+mj-ea"/>
-                        </a:rPr>
-                        <a:t>KL-C-U-1</a:t>
-                      </a:r>
-                    </a:p>
-                  </a:txBody>
-                  <a:tcPr anchor="ctr"/>
-                </a:tc>
-              </a:tr>
-            </a:tbl>
-          </a:graphicData>
-        </a:graphic>
-      </p:graphicFrame>
     </p:spTree>
     <p:extLst>
       <p:ext uri="{BB962C8B-B14F-4D97-AF65-F5344CB8AC3E}">
@@ -23483,384 +22757,6 @@
           </a:p>
         </p:txBody>
       </p:sp>
-      <p:graphicFrame>
-        <p:nvGraphicFramePr>
-          <p:cNvPr id="2" name="表格 1"/>
-          <p:cNvGraphicFramePr/>
-          <p:nvPr/>
-        </p:nvGraphicFramePr>
-        <p:xfrm>
-          <a:off x="1194435" y="963295"/>
-          <a:ext cx="10438130" cy="5299710"/>
-        </p:xfrm>
-        <a:graphic>
-          <a:graphicData uri="http://schemas.openxmlformats.org/drawingml/2006/table">
-            <a:tbl>
-              <a:tblPr firstRow="1" bandRow="1">
-                <a:tableStyleId>{21E4AEA4-8DFA-4A89-87EB-49C32662AFE0}</a:tableStyleId>
-              </a:tblPr>
-              <a:tblGrid>
-                <a:gridCol w="2282825"/>
-                <a:gridCol w="5057140"/>
-                <a:gridCol w="3098165"/>
-              </a:tblGrid>
-              <a:tr h="626110">
-                <a:tc>
-                  <a:txBody>
-                    <a:bodyPr/>
-                    <a:lstStyle/>
-                    <a:p>
-                      <a:pPr algn="ctr">
-                        <a:buNone/>
-                      </a:pPr>
-                      <a:r>
-                        <a:rPr lang="zh-CN" altLang="en-US"/>
-                        <a:t>需求</a:t>
-                      </a:r>
-                    </a:p>
-                  </a:txBody>
-                  <a:tcPr anchor="ctr"/>
-                </a:tc>
-                <a:tc>
-                  <a:txBody>
-                    <a:bodyPr/>
-                    <a:lstStyle/>
-                    <a:p>
-                      <a:pPr algn="ctr">
-                        <a:buNone/>
-                      </a:pPr>
-                      <a:r>
-                        <a:rPr lang="zh-CN" altLang="en-US"/>
-                        <a:t>需求概述</a:t>
-                      </a:r>
-                    </a:p>
-                  </a:txBody>
-                  <a:tcPr anchor="ctr"/>
-                </a:tc>
-                <a:tc>
-                  <a:txBody>
-                    <a:bodyPr/>
-                    <a:lstStyle/>
-                    <a:p>
-                      <a:pPr algn="ctr">
-                        <a:buNone/>
-                      </a:pPr>
-                      <a:r>
-                        <a:rPr lang="zh-CN" altLang="en-US"/>
-                        <a:t>覆盖情况</a:t>
-                      </a:r>
-                    </a:p>
-                  </a:txBody>
-                  <a:tcPr anchor="ctr"/>
-                </a:tc>
-              </a:tr>
-              <a:tr h="1168400">
-                <a:tc>
-                  <a:txBody>
-                    <a:bodyPr/>
-                    <a:lstStyle/>
-                    <a:p>
-                      <a:pPr algn="ctr">
-                        <a:buClrTx/>
-                        <a:buSzTx/>
-                        <a:buFontTx/>
-                        <a:buNone/>
-                      </a:pPr>
-                      <a:r>
-                        <a:rPr lang="en-US" altLang="zh-CN" sz="1865" b="1" kern="0" dirty="0">
-                          <a:solidFill>
-                            <a:schemeClr val="accent2"/>
-                          </a:solidFill>
-                          <a:latin typeface="+mj-ea"/>
-                        </a:rPr>
-                        <a:t>系统可靠性需求</a:t>
-                      </a:r>
-                    </a:p>
-                  </a:txBody>
-                  <a:tcPr marL="68580" marR="68580" marT="0" marB="0" anchor="ctr"/>
-                </a:tc>
-                <a:tc>
-                  <a:txBody>
-                    <a:bodyPr/>
-                    <a:lstStyle/>
-                    <a:p>
-                      <a:pPr algn="ctr">
-                        <a:buClrTx/>
-                        <a:buSzTx/>
-                        <a:buFontTx/>
-                        <a:buNone/>
-                      </a:pPr>
-                      <a:r>
-                        <a:rPr lang="en-US" altLang="zh-CN" sz="1865" b="1" kern="0" dirty="0">
-                          <a:solidFill>
-                            <a:schemeClr val="accent2"/>
-                          </a:solidFill>
-                          <a:latin typeface="+mj-ea"/>
-                        </a:rPr>
-                        <a:t>系统应保证超市营业时间内不间断运行，具有冗余等安全措施软，以及软硬件故障在线恢复的能力。</a:t>
-                      </a:r>
-                    </a:p>
-                  </a:txBody>
-                  <a:tcPr marL="68580" marR="68580" marT="0" marB="0" anchor="ctr"/>
-                </a:tc>
-                <a:tc>
-                  <a:txBody>
-                    <a:bodyPr/>
-                    <a:lstStyle/>
-                    <a:p>
-                      <a:pPr algn="ctr">
-                        <a:buNone/>
-                      </a:pPr>
-                      <a:r>
-                        <a:rPr lang="zh-CN" altLang="en-US" sz="1865" b="1" kern="0" dirty="0">
-                          <a:solidFill>
-                            <a:schemeClr val="accent2"/>
-                          </a:solidFill>
-                          <a:latin typeface="+mj-ea"/>
-                        </a:rPr>
-                        <a:t>目前多次测试发现的软硬件故障均已解决</a:t>
-                      </a:r>
-                    </a:p>
-                  </a:txBody>
-                  <a:tcPr anchor="ctr"/>
-                </a:tc>
-              </a:tr>
-              <a:tr h="1168400">
-                <a:tc>
-                  <a:txBody>
-                    <a:bodyPr/>
-                    <a:lstStyle/>
-                    <a:p>
-                      <a:pPr algn="ctr">
-                        <a:buClrTx/>
-                        <a:buSzTx/>
-                        <a:buFontTx/>
-                        <a:buNone/>
-                      </a:pPr>
-                      <a:r>
-                        <a:rPr lang="en-US" altLang="zh-CN" sz="1865" b="1" kern="0" dirty="0">
-                          <a:solidFill>
-                            <a:schemeClr val="accent2"/>
-                          </a:solidFill>
-                          <a:latin typeface="+mj-ea"/>
-                        </a:rPr>
-                        <a:t>系统可扩展性需求</a:t>
-                      </a:r>
-                    </a:p>
-                  </a:txBody>
-                  <a:tcPr marL="68580" marR="68580" marT="0" marB="0" anchor="ctr"/>
-                </a:tc>
-                <a:tc>
-                  <a:txBody>
-                    <a:bodyPr/>
-                    <a:lstStyle/>
-                    <a:p>
-                      <a:pPr algn="ctr">
-                        <a:buClrTx/>
-                        <a:buSzTx/>
-                        <a:buFontTx/>
-                        <a:buNone/>
-                      </a:pPr>
-                      <a:r>
-                        <a:rPr lang="en-US" altLang="zh-CN" sz="1865" b="1" kern="0" dirty="0">
-                          <a:solidFill>
-                            <a:schemeClr val="accent2"/>
-                          </a:solidFill>
-                          <a:latin typeface="+mj-ea"/>
-                        </a:rPr>
-                        <a:t>机器人设备应能够适应系统容量的扩大和管理内容的增加，包括软硬件平台、系统结构、功能设计、管理对象。</a:t>
-                      </a:r>
-                    </a:p>
-                  </a:txBody>
-                  <a:tcPr marL="68580" marR="68580" marT="0" marB="0" anchor="ctr"/>
-                </a:tc>
-                <a:tc>
-                  <a:txBody>
-                    <a:bodyPr/>
-                    <a:lstStyle/>
-                    <a:p>
-                      <a:pPr algn="ctr">
-                        <a:buNone/>
-                      </a:pPr>
-                      <a:r>
-                        <a:rPr lang="zh-CN" altLang="en-US" sz="1865" b="1" kern="0" dirty="0">
-                          <a:solidFill>
-                            <a:schemeClr val="accent2"/>
-                          </a:solidFill>
-                          <a:latin typeface="+mj-ea"/>
-                        </a:rPr>
-                        <a:t>机器人实现功能均通过低耦合的设计方式</a:t>
-                      </a:r>
-                    </a:p>
-                  </a:txBody>
-                  <a:tcPr anchor="ctr"/>
-                </a:tc>
-              </a:tr>
-              <a:tr h="1168400">
-                <a:tc>
-                  <a:txBody>
-                    <a:bodyPr/>
-                    <a:lstStyle/>
-                    <a:p>
-                      <a:pPr algn="ctr">
-                        <a:buClrTx/>
-                        <a:buSzTx/>
-                        <a:buFontTx/>
-                        <a:buNone/>
-                      </a:pPr>
-                      <a:r>
-                        <a:rPr lang="en-US" altLang="zh-CN" sz="1865" b="1" kern="0" dirty="0">
-                          <a:solidFill>
-                            <a:schemeClr val="accent2"/>
-                          </a:solidFill>
-                          <a:latin typeface="+mj-ea"/>
-                        </a:rPr>
-                        <a:t>系统易用性需求</a:t>
-                      </a:r>
-                    </a:p>
-                  </a:txBody>
-                  <a:tcPr marL="68580" marR="68580" marT="0" marB="0" anchor="ctr"/>
-                </a:tc>
-                <a:tc>
-                  <a:txBody>
-                    <a:bodyPr/>
-                    <a:lstStyle/>
-                    <a:p>
-                      <a:pPr algn="ctr">
-                        <a:buClrTx/>
-                        <a:buSzTx/>
-                        <a:buFontTx/>
-                        <a:buNone/>
-                      </a:pPr>
-                      <a:r>
-                        <a:rPr lang="en-US" altLang="zh-CN" sz="1865" b="1" kern="0" dirty="0">
-                          <a:solidFill>
-                            <a:schemeClr val="accent2"/>
-                          </a:solidFill>
-                          <a:latin typeface="+mj-ea"/>
-                        </a:rPr>
-                        <a:t>使用者在使用该机器人的过程中</a:t>
-                      </a:r>
-                      <a:r>
-                        <a:rPr lang="zh-CN" altLang="en-US" sz="1865" b="1" kern="0" dirty="0">
-                          <a:solidFill>
-                            <a:schemeClr val="accent2"/>
-                          </a:solidFill>
-                          <a:latin typeface="+mj-ea"/>
-                        </a:rPr>
-                        <a:t>觉得使用简便，</a:t>
-                      </a:r>
-                      <a:r>
-                        <a:rPr lang="en-US" altLang="zh-CN" sz="1865" b="1" kern="0" dirty="0">
-                          <a:solidFill>
-                            <a:schemeClr val="accent2"/>
-                          </a:solidFill>
-                          <a:latin typeface="+mj-ea"/>
-                        </a:rPr>
-                        <a:t>不会产生压力或感到挫折，能用最少的努力发挥机器人最大的效能。</a:t>
-                      </a:r>
-                    </a:p>
-                  </a:txBody>
-                  <a:tcPr marL="68580" marR="68580" marT="0" marB="0" anchor="ctr"/>
-                </a:tc>
-                <a:tc>
-                  <a:txBody>
-                    <a:bodyPr/>
-                    <a:lstStyle/>
-                    <a:p>
-                      <a:pPr algn="ctr">
-                        <a:buNone/>
-                      </a:pPr>
-                      <a:r>
-                        <a:rPr lang="zh-CN" altLang="en-US" sz="1860" b="1" kern="0" dirty="0">
-                          <a:solidFill>
-                            <a:schemeClr val="accent2"/>
-                          </a:solidFill>
-                          <a:latin typeface="+mj-ea"/>
-                          <a:sym typeface="+mn-ea"/>
-                        </a:rPr>
-                        <a:t>机载电脑及网页端均可启动运行机器人，可通过语音轻易下达指令</a:t>
-                      </a:r>
-                    </a:p>
-                  </a:txBody>
-                  <a:tcPr anchor="ctr"/>
-                </a:tc>
-              </a:tr>
-              <a:tr h="1168400">
-                <a:tc>
-                  <a:txBody>
-                    <a:bodyPr/>
-                    <a:lstStyle/>
-                    <a:p>
-                      <a:pPr algn="ctr">
-                        <a:buClrTx/>
-                        <a:buSzTx/>
-                        <a:buFontTx/>
-                        <a:buNone/>
-                      </a:pPr>
-                      <a:r>
-                        <a:rPr lang="en-US" altLang="zh-CN" sz="1865" b="1" kern="0" dirty="0">
-                          <a:solidFill>
-                            <a:schemeClr val="accent2"/>
-                          </a:solidFill>
-                          <a:latin typeface="+mj-ea"/>
-                        </a:rPr>
-                        <a:t>系统安全性需求</a:t>
-                      </a:r>
-                    </a:p>
-                  </a:txBody>
-                  <a:tcPr marL="68580" marR="68580" marT="0" marB="0" anchor="ctr"/>
-                </a:tc>
-                <a:tc>
-                  <a:txBody>
-                    <a:bodyPr/>
-                    <a:lstStyle/>
-                    <a:p>
-                      <a:pPr algn="ctr">
-                        <a:buClrTx/>
-                        <a:buSzTx/>
-                        <a:buFontTx/>
-                        <a:buNone/>
-                      </a:pPr>
-                      <a:r>
-                        <a:rPr lang="en-US" altLang="zh-CN" sz="1865" b="1" kern="0" dirty="0">
-                          <a:solidFill>
-                            <a:schemeClr val="accent2"/>
-                          </a:solidFill>
-                          <a:latin typeface="+mj-ea"/>
-                        </a:rPr>
-                        <a:t>包括系统保密性需求、系统完整性需求、漏洞检测和安全风险评估、系统可用性和抗毁性以及系统防病毒。</a:t>
-                      </a:r>
-                    </a:p>
-                  </a:txBody>
-                  <a:tcPr marL="68580" marR="68580" marT="0" marB="0" anchor="ctr"/>
-                </a:tc>
-                <a:tc>
-                  <a:txBody>
-                    <a:bodyPr/>
-                    <a:lstStyle/>
-                    <a:p>
-                      <a:pPr algn="ctr">
-                        <a:buNone/>
-                      </a:pPr>
-                      <a:r>
-                        <a:rPr lang="zh-CN" altLang="en-US" sz="1865" b="1" kern="0" dirty="0">
-                          <a:solidFill>
-                            <a:schemeClr val="accent2"/>
-                          </a:solidFill>
-                          <a:latin typeface="+mj-ea"/>
-                        </a:rPr>
-                        <a:t>暂未测试安全性</a:t>
-                      </a:r>
-                    </a:p>
-                  </a:txBody>
-                  <a:tcPr anchor="ctr"/>
-                </a:tc>
-              </a:tr>
-            </a:tbl>
-          </a:graphicData>
-        </a:graphic>
-      </p:graphicFrame>
     </p:spTree>
     <p:extLst>
       <p:ext uri="{BB962C8B-B14F-4D97-AF65-F5344CB8AC3E}">
@@ -23930,44 +22826,6 @@
           </a:p>
         </p:txBody>
       </p:sp>
-      <p:pic>
-        <p:nvPicPr>
-          <p:cNvPr id="3" name="图片 2"/>
-          <p:cNvPicPr>
-            <a:picLocks noChangeAspect="1"/>
-          </p:cNvPicPr>
-          <p:nvPr/>
-        </p:nvPicPr>
-        <p:blipFill>
-          <a:blip r:embed="rId3">
-            <a:clrChange>
-              <a:clrFrom>
-                <a:srgbClr val="FFFFFF">
-                  <a:alpha val="100000"/>
-                </a:srgbClr>
-              </a:clrFrom>
-              <a:clrTo>
-                <a:srgbClr val="FFFFFF">
-                  <a:alpha val="100000"/>
-                  <a:alpha val="0"/>
-                </a:srgbClr>
-              </a:clrTo>
-            </a:clrChange>
-          </a:blip>
-          <a:stretch>
-            <a:fillRect/>
-          </a:stretch>
-        </p:blipFill>
-        <p:spPr>
-          <a:xfrm>
-            <a:off x="1808480" y="554355"/>
-            <a:ext cx="8627745" cy="6197600"/>
-          </a:xfrm>
-          <a:prstGeom prst="rect">
-            <a:avLst/>
-          </a:prstGeom>
-        </p:spPr>
-      </p:pic>
     </p:spTree>
     <p:extLst>
       <p:ext uri="{BB962C8B-B14F-4D97-AF65-F5344CB8AC3E}">
@@ -24054,7 +22912,7 @@
             </a:r>
             <a:r>
               <a:rPr lang="zh-CN" altLang="en-US" dirty="0" smtClean="0"/>
-              <a:t>测试准备</a:t>
+              <a:t>产品效果</a:t>
             </a:r>
             <a:endParaRPr lang="zh-CN" altLang="en-US" dirty="0"/>
           </a:p>
@@ -24109,7 +22967,7 @@
             </a:r>
             <a:r>
               <a:rPr lang="zh-CN" altLang="en-US" dirty="0" smtClean="0"/>
-              <a:t>测试用例设计</a:t>
+              <a:t>技术管理</a:t>
             </a:r>
             <a:endParaRPr lang="zh-CN" altLang="en-US" dirty="0"/>
           </a:p>
@@ -24164,7 +23022,7 @@
             </a:r>
             <a:r>
               <a:rPr lang="zh-CN" altLang="en-US" dirty="0" smtClean="0"/>
-              <a:t>测试结果</a:t>
+              <a:t>项目管理</a:t>
             </a:r>
             <a:endParaRPr lang="zh-CN" altLang="en-US" dirty="0"/>
           </a:p>
@@ -24218,8 +23076,8 @@
               <a:t>Part Four </a:t>
             </a:r>
             <a:r>
-              <a:rPr lang="zh-CN" altLang="en-US" dirty="0" smtClean="0"/>
-              <a:t>测试分析</a:t>
+              <a:rPr lang="zh-CN" altLang="en-US" dirty="0"/>
+              <a:t>宣传片</a:t>
             </a:r>
             <a:endParaRPr lang="zh-CN" altLang="en-US" dirty="0"/>
           </a:p>
@@ -24299,64 +23157,18 @@
       </p:grpSpPr>
       <p:sp>
         <p:nvSpPr>
-          <p:cNvPr id="11" name="文本占位符 9"/>
+          <p:cNvPr id="33" name="文本占位符 7"/>
           <p:cNvSpPr>
             <a:spLocks noGrp="1"/>
           </p:cNvSpPr>
           <p:nvPr>
-            <p:ph type="body" sz="quarter" idx="11"/>
-          </p:nvPr>
-        </p:nvSpPr>
-        <p:spPr/>
-        <p:txBody>
-          <a:bodyPr/>
-          <a:lstStyle/>
-          <a:p>
-            <a:r>
-              <a:rPr lang="en-US" altLang="zh-CN" kern="0" dirty="0"/>
-              <a:t>PART FOUR</a:t>
-            </a:r>
-            <a:endParaRPr lang="zh-CN" altLang="en-US" kern="0" dirty="0"/>
-          </a:p>
-        </p:txBody>
-      </p:sp>
-      <p:sp>
-        <p:nvSpPr>
-          <p:cNvPr id="7" name="文本占位符 6"/>
-          <p:cNvSpPr>
-            <a:spLocks noGrp="1"/>
-          </p:cNvSpPr>
-          <p:nvPr>
-            <p:ph type="body" sz="quarter" idx="12"/>
-          </p:nvPr>
-        </p:nvSpPr>
-        <p:spPr/>
-        <p:txBody>
-          <a:bodyPr/>
-          <a:lstStyle/>
-          <a:p>
-            <a:r>
-              <a:rPr lang="en-US" altLang="zh-CN" dirty="0"/>
-              <a:t>4</a:t>
-            </a:r>
-            <a:endParaRPr lang="zh-CN" altLang="en-US" dirty="0"/>
-          </a:p>
-        </p:txBody>
-      </p:sp>
-      <p:sp>
-        <p:nvSpPr>
-          <p:cNvPr id="12" name="文本占位符 11"/>
-          <p:cNvSpPr>
-            <a:spLocks noGrp="1"/>
-          </p:cNvSpPr>
-          <p:nvPr>
-            <p:ph type="body" sz="quarter" idx="13"/>
+            <p:ph type="body" sz="quarter" idx="15"/>
           </p:nvPr>
         </p:nvSpPr>
         <p:spPr>
           <a:xfrm>
-            <a:off x="5194570" y="2791947"/>
-            <a:ext cx="6569245" cy="748030"/>
+            <a:off x="673812" y="216500"/>
+            <a:ext cx="7928834" cy="583565"/>
           </a:xfrm>
         </p:spPr>
         <p:txBody>
@@ -24364,24 +23176,8 @@
           <a:lstStyle/>
           <a:p>
             <a:r>
-              <a:rPr lang="zh-CN" altLang="en-US" dirty="0"/>
-              <a:t>测试问题</a:t>
-            </a:r>
-            <a:r>
-              <a:rPr lang="en-US" altLang="zh-CN" dirty="0"/>
-              <a:t>&amp;</a:t>
-            </a:r>
-            <a:r>
-              <a:rPr lang="zh-CN" altLang="en-US" dirty="0"/>
-              <a:t>后续解决</a:t>
-            </a:r>
-            <a:r>
-              <a:rPr lang="en-US" altLang="zh-CN" dirty="0"/>
-              <a:t>&amp;</a:t>
-            </a:r>
-            <a:r>
-              <a:rPr lang="zh-CN" altLang="en-US" dirty="0"/>
-              <a:t>评价</a:t>
+              <a:rPr lang="zh-CN" altLang="en-US" b="1" dirty="0"/>
+              <a:t>构件覆盖情况</a:t>
             </a:r>
           </a:p>
         </p:txBody>
@@ -24389,7 +23185,7 @@
     </p:spTree>
     <p:extLst>
       <p:ext uri="{BB962C8B-B14F-4D97-AF65-F5344CB8AC3E}">
-        <p14:creationId xmlns:p14="http://schemas.microsoft.com/office/powerpoint/2010/main" val="3065524056"/>
+        <p14:creationId xmlns:p14="http://schemas.microsoft.com/office/powerpoint/2010/main" val="1593299444"/>
       </p:ext>
     </p:extLst>
   </p:cSld>
@@ -24428,735 +23224,66 @@
           <a:chExt cx="0" cy="0"/>
         </a:xfrm>
       </p:grpSpPr>
-      <p:cxnSp>
-        <p:nvCxnSpPr>
-          <p:cNvPr id="20" name="直接连接符 19"/>
-          <p:cNvCxnSpPr/>
-          <p:nvPr/>
-        </p:nvCxnSpPr>
-        <p:spPr>
-          <a:xfrm>
-            <a:off x="0" y="1508760"/>
-            <a:ext cx="8623935" cy="0"/>
-          </a:xfrm>
-          <a:prstGeom prst="line">
-            <a:avLst/>
-          </a:prstGeom>
-          <a:ln w="19050">
-            <a:solidFill>
-              <a:schemeClr val="bg1">
-                <a:lumMod val="50000"/>
-              </a:schemeClr>
-            </a:solidFill>
-          </a:ln>
-        </p:spPr>
-        <p:style>
-          <a:lnRef idx="1">
-            <a:schemeClr val="accent1"/>
-          </a:lnRef>
-          <a:fillRef idx="0">
-            <a:schemeClr val="accent1"/>
-          </a:fillRef>
-          <a:effectRef idx="0">
-            <a:schemeClr val="accent1"/>
-          </a:effectRef>
-          <a:fontRef idx="minor">
-            <a:schemeClr val="tx1"/>
-          </a:fontRef>
-        </p:style>
-      </p:cxnSp>
-      <p:cxnSp>
-        <p:nvCxnSpPr>
-          <p:cNvPr id="21" name="直接连接符 20"/>
-          <p:cNvCxnSpPr/>
-          <p:nvPr/>
-        </p:nvCxnSpPr>
-        <p:spPr>
-          <a:xfrm>
-            <a:off x="1459230" y="2513965"/>
-            <a:ext cx="7459345" cy="0"/>
-          </a:xfrm>
-          <a:prstGeom prst="line">
-            <a:avLst/>
-          </a:prstGeom>
-          <a:ln w="19050">
-            <a:solidFill>
-              <a:schemeClr val="bg1">
-                <a:lumMod val="50000"/>
-              </a:schemeClr>
-            </a:solidFill>
-          </a:ln>
-        </p:spPr>
-        <p:style>
-          <a:lnRef idx="1">
-            <a:schemeClr val="accent1"/>
-          </a:lnRef>
-          <a:fillRef idx="0">
-            <a:schemeClr val="accent1"/>
-          </a:fillRef>
-          <a:effectRef idx="0">
-            <a:schemeClr val="accent1"/>
-          </a:effectRef>
-          <a:fontRef idx="minor">
-            <a:schemeClr val="tx1"/>
-          </a:fontRef>
-        </p:style>
-      </p:cxnSp>
-      <p:cxnSp>
-        <p:nvCxnSpPr>
-          <p:cNvPr id="22" name="直接连接符 21"/>
-          <p:cNvCxnSpPr/>
-          <p:nvPr/>
-        </p:nvCxnSpPr>
-        <p:spPr>
-          <a:xfrm>
-            <a:off x="1459013" y="5529233"/>
-            <a:ext cx="10732988" cy="0"/>
-          </a:xfrm>
-          <a:prstGeom prst="line">
-            <a:avLst/>
-          </a:prstGeom>
-          <a:ln w="19050">
-            <a:solidFill>
-              <a:schemeClr val="bg1">
-                <a:lumMod val="50000"/>
-              </a:schemeClr>
-            </a:solidFill>
-          </a:ln>
-        </p:spPr>
-        <p:style>
-          <a:lnRef idx="1">
-            <a:schemeClr val="accent1"/>
-          </a:lnRef>
-          <a:fillRef idx="0">
-            <a:schemeClr val="accent1"/>
-          </a:fillRef>
-          <a:effectRef idx="0">
-            <a:schemeClr val="accent1"/>
-          </a:effectRef>
-          <a:fontRef idx="minor">
-            <a:schemeClr val="tx1"/>
-          </a:fontRef>
-        </p:style>
-      </p:cxnSp>
-      <p:cxnSp>
-        <p:nvCxnSpPr>
-          <p:cNvPr id="23" name="直接连接符 22"/>
-          <p:cNvCxnSpPr/>
-          <p:nvPr/>
-        </p:nvCxnSpPr>
-        <p:spPr>
-          <a:xfrm>
-            <a:off x="1459230" y="3519170"/>
-            <a:ext cx="7164705" cy="0"/>
-          </a:xfrm>
-          <a:prstGeom prst="line">
-            <a:avLst/>
-          </a:prstGeom>
-          <a:ln w="19050">
-            <a:solidFill>
-              <a:schemeClr val="bg1">
-                <a:lumMod val="50000"/>
-              </a:schemeClr>
-            </a:solidFill>
-          </a:ln>
-        </p:spPr>
-        <p:style>
-          <a:lnRef idx="1">
-            <a:schemeClr val="accent1"/>
-          </a:lnRef>
-          <a:fillRef idx="0">
-            <a:schemeClr val="accent1"/>
-          </a:fillRef>
-          <a:effectRef idx="0">
-            <a:schemeClr val="accent1"/>
-          </a:effectRef>
-          <a:fontRef idx="minor">
-            <a:schemeClr val="tx1"/>
-          </a:fontRef>
-        </p:style>
-      </p:cxnSp>
-      <p:cxnSp>
-        <p:nvCxnSpPr>
-          <p:cNvPr id="24" name="直接连接符 23"/>
-          <p:cNvCxnSpPr/>
-          <p:nvPr/>
-        </p:nvCxnSpPr>
-        <p:spPr>
-          <a:xfrm>
-            <a:off x="1475740" y="4524375"/>
-            <a:ext cx="7442835" cy="0"/>
-          </a:xfrm>
-          <a:prstGeom prst="line">
-            <a:avLst/>
-          </a:prstGeom>
-          <a:ln w="19050">
-            <a:solidFill>
-              <a:schemeClr val="bg1">
-                <a:lumMod val="50000"/>
-              </a:schemeClr>
-            </a:solidFill>
-          </a:ln>
-        </p:spPr>
-        <p:style>
-          <a:lnRef idx="1">
-            <a:schemeClr val="accent1"/>
-          </a:lnRef>
-          <a:fillRef idx="0">
-            <a:schemeClr val="accent1"/>
-          </a:fillRef>
-          <a:effectRef idx="0">
-            <a:schemeClr val="accent1"/>
-          </a:effectRef>
-          <a:fontRef idx="minor">
-            <a:schemeClr val="tx1"/>
-          </a:fontRef>
-        </p:style>
-      </p:cxnSp>
-      <p:sp>
-        <p:nvSpPr>
-          <p:cNvPr id="25" name="椭圆 24"/>
-          <p:cNvSpPr/>
-          <p:nvPr/>
-        </p:nvSpPr>
-        <p:spPr>
-          <a:xfrm>
-            <a:off x="8254649" y="1376350"/>
-            <a:ext cx="1251608" cy="1251608"/>
-          </a:xfrm>
-          <a:prstGeom prst="ellipse">
-            <a:avLst/>
-          </a:prstGeom>
-          <a:solidFill>
-            <a:schemeClr val="bg1"/>
-          </a:solidFill>
-          <a:ln w="28575">
-            <a:solidFill>
-              <a:schemeClr val="accent1">
-                <a:lumMod val="75000"/>
-              </a:schemeClr>
-            </a:solidFill>
-          </a:ln>
-        </p:spPr>
-        <p:style>
-          <a:lnRef idx="2">
-            <a:schemeClr val="accent1">
-              <a:shade val="50000"/>
-            </a:schemeClr>
-          </a:lnRef>
-          <a:fillRef idx="1">
-            <a:schemeClr val="accent1"/>
-          </a:fillRef>
-          <a:effectRef idx="0">
-            <a:schemeClr val="accent1"/>
-          </a:effectRef>
-          <a:fontRef idx="minor">
-            <a:schemeClr val="lt1"/>
-          </a:fontRef>
-        </p:style>
-        <p:txBody>
-          <a:bodyPr rtlCol="0" anchor="ctr"/>
-          <a:lstStyle/>
-          <a:p>
-            <a:pPr algn="ctr" defTabSz="1219200"/>
-            <a:endParaRPr lang="zh-CN" altLang="en-US" sz="1600" b="1" kern="0">
-              <a:solidFill>
-                <a:schemeClr val="accent1">
-                  <a:lumMod val="75000"/>
-                </a:schemeClr>
-              </a:solidFill>
-              <a:latin typeface="微软雅黑" panose="020B0503020204020204" pitchFamily="34" charset="-122"/>
-            </a:endParaRPr>
-          </a:p>
-        </p:txBody>
-      </p:sp>
-      <p:sp>
-        <p:nvSpPr>
-          <p:cNvPr id="26" name="矩形 25"/>
-          <p:cNvSpPr/>
-          <p:nvPr/>
-        </p:nvSpPr>
-        <p:spPr>
-          <a:xfrm>
-            <a:off x="8281014" y="1797248"/>
-            <a:ext cx="1198880" cy="398780"/>
-          </a:xfrm>
-          <a:prstGeom prst="rect">
-            <a:avLst/>
-          </a:prstGeom>
-        </p:spPr>
-        <p:txBody>
-          <a:bodyPr wrap="none">
-            <a:spAutoFit/>
-          </a:bodyPr>
-          <a:lstStyle/>
-          <a:p>
-            <a:pPr algn="ctr" defTabSz="1219200"/>
-            <a:r>
-              <a:rPr lang="zh-CN" altLang="en-US" sz="2000" b="1" kern="0" dirty="0">
-                <a:solidFill>
-                  <a:schemeClr val="accent1">
-                    <a:lumMod val="75000"/>
-                  </a:schemeClr>
-                </a:solidFill>
-                <a:latin typeface="微软雅黑" panose="020B0503020204020204" pitchFamily="34" charset="-122"/>
-              </a:rPr>
-              <a:t>问题标识</a:t>
-            </a:r>
-          </a:p>
-        </p:txBody>
-      </p:sp>
-      <p:sp>
-        <p:nvSpPr>
-          <p:cNvPr id="27" name="椭圆 26"/>
-          <p:cNvSpPr/>
-          <p:nvPr/>
-        </p:nvSpPr>
-        <p:spPr>
-          <a:xfrm>
-            <a:off x="823945" y="2401905"/>
-            <a:ext cx="1251608" cy="1251608"/>
-          </a:xfrm>
-          <a:prstGeom prst="ellipse">
-            <a:avLst/>
-          </a:prstGeom>
-          <a:solidFill>
-            <a:schemeClr val="bg1"/>
-          </a:solidFill>
-          <a:ln w="28575">
-            <a:solidFill>
-              <a:schemeClr val="accent1">
-                <a:lumMod val="40000"/>
-                <a:lumOff val="60000"/>
-              </a:schemeClr>
-            </a:solidFill>
-          </a:ln>
-        </p:spPr>
-        <p:style>
-          <a:lnRef idx="2">
-            <a:schemeClr val="accent1">
-              <a:shade val="50000"/>
-            </a:schemeClr>
-          </a:lnRef>
-          <a:fillRef idx="1">
-            <a:schemeClr val="accent1"/>
-          </a:fillRef>
-          <a:effectRef idx="0">
-            <a:schemeClr val="accent1"/>
-          </a:effectRef>
-          <a:fontRef idx="minor">
-            <a:schemeClr val="lt1"/>
-          </a:fontRef>
-        </p:style>
-        <p:txBody>
-          <a:bodyPr rtlCol="0" anchor="ctr"/>
-          <a:lstStyle/>
-          <a:p>
-            <a:pPr algn="ctr" defTabSz="1219200"/>
-            <a:endParaRPr lang="zh-CN" altLang="en-US" sz="1600" b="1" kern="0">
-              <a:solidFill>
-                <a:srgbClr val="1A7BAE"/>
-              </a:solidFill>
-              <a:latin typeface="微软雅黑" panose="020B0503020204020204" pitchFamily="34" charset="-122"/>
-            </a:endParaRPr>
-          </a:p>
-        </p:txBody>
-      </p:sp>
-      <p:sp>
-        <p:nvSpPr>
-          <p:cNvPr id="30" name="矩形 29"/>
-          <p:cNvSpPr/>
-          <p:nvPr/>
-        </p:nvSpPr>
-        <p:spPr>
-          <a:xfrm>
-            <a:off x="850310" y="2829153"/>
-            <a:ext cx="1198880" cy="398780"/>
-          </a:xfrm>
-          <a:prstGeom prst="rect">
-            <a:avLst/>
-          </a:prstGeom>
-        </p:spPr>
-        <p:txBody>
-          <a:bodyPr wrap="none">
-            <a:spAutoFit/>
-          </a:bodyPr>
-          <a:lstStyle/>
-          <a:p>
-            <a:pPr algn="ctr" defTabSz="1219200"/>
-            <a:r>
-              <a:rPr lang="en-US" altLang="zh-CN" sz="2000" b="1" kern="0" dirty="0">
-                <a:solidFill>
-                  <a:schemeClr val="accent1">
-                    <a:lumMod val="40000"/>
-                    <a:lumOff val="60000"/>
-                  </a:schemeClr>
-                </a:solidFill>
-                <a:latin typeface="微软雅黑" panose="020B0503020204020204" pitchFamily="34" charset="-122"/>
-              </a:rPr>
-              <a:t>原因分析</a:t>
-            </a:r>
-          </a:p>
-        </p:txBody>
-      </p:sp>
-      <p:sp>
-        <p:nvSpPr>
-          <p:cNvPr id="32" name="椭圆 31"/>
-          <p:cNvSpPr/>
-          <p:nvPr/>
-        </p:nvSpPr>
-        <p:spPr>
-          <a:xfrm>
-            <a:off x="8254649" y="3304540"/>
-            <a:ext cx="1251608" cy="1251608"/>
-          </a:xfrm>
-          <a:prstGeom prst="ellipse">
-            <a:avLst/>
-          </a:prstGeom>
-          <a:solidFill>
-            <a:schemeClr val="bg1"/>
-          </a:solidFill>
-          <a:ln w="28575">
-            <a:solidFill>
-              <a:schemeClr val="accent1">
-                <a:lumMod val="75000"/>
-              </a:schemeClr>
-            </a:solidFill>
-          </a:ln>
-        </p:spPr>
-        <p:style>
-          <a:lnRef idx="2">
-            <a:schemeClr val="accent1">
-              <a:shade val="50000"/>
-            </a:schemeClr>
-          </a:lnRef>
-          <a:fillRef idx="1">
-            <a:schemeClr val="accent1"/>
-          </a:fillRef>
-          <a:effectRef idx="0">
-            <a:schemeClr val="accent1"/>
-          </a:effectRef>
-          <a:fontRef idx="minor">
-            <a:schemeClr val="lt1"/>
-          </a:fontRef>
-        </p:style>
-        <p:txBody>
-          <a:bodyPr rtlCol="0" anchor="ctr"/>
-          <a:lstStyle/>
-          <a:p>
-            <a:pPr algn="ctr" defTabSz="1219200"/>
-            <a:endParaRPr lang="zh-CN" altLang="en-US" sz="1600" b="1" kern="0">
-              <a:solidFill>
-                <a:schemeClr val="accent1">
-                  <a:lumMod val="75000"/>
-                </a:schemeClr>
-              </a:solidFill>
-              <a:latin typeface="微软雅黑" panose="020B0503020204020204" pitchFamily="34" charset="-122"/>
-            </a:endParaRPr>
-          </a:p>
-        </p:txBody>
-      </p:sp>
-      <p:sp>
-        <p:nvSpPr>
-          <p:cNvPr id="37" name="椭圆 36"/>
-          <p:cNvSpPr/>
-          <p:nvPr/>
-        </p:nvSpPr>
-        <p:spPr>
-          <a:xfrm>
-            <a:off x="823945" y="4433600"/>
-            <a:ext cx="1251608" cy="1251608"/>
-          </a:xfrm>
-          <a:prstGeom prst="ellipse">
-            <a:avLst/>
-          </a:prstGeom>
-          <a:solidFill>
-            <a:schemeClr val="bg1"/>
-          </a:solidFill>
-          <a:ln w="28575">
-            <a:solidFill>
-              <a:schemeClr val="accent1">
-                <a:lumMod val="40000"/>
-                <a:lumOff val="60000"/>
-              </a:schemeClr>
-            </a:solidFill>
-          </a:ln>
-        </p:spPr>
-        <p:style>
-          <a:lnRef idx="2">
-            <a:schemeClr val="accent1">
-              <a:shade val="50000"/>
-            </a:schemeClr>
-          </a:lnRef>
-          <a:fillRef idx="1">
-            <a:schemeClr val="accent1"/>
-          </a:fillRef>
-          <a:effectRef idx="0">
-            <a:schemeClr val="accent1"/>
-          </a:effectRef>
-          <a:fontRef idx="minor">
-            <a:schemeClr val="lt1"/>
-          </a:fontRef>
-        </p:style>
-        <p:txBody>
-          <a:bodyPr rtlCol="0" anchor="ctr"/>
-          <a:lstStyle/>
-          <a:p>
-            <a:pPr algn="ctr" defTabSz="1219200"/>
-            <a:endParaRPr lang="zh-CN" altLang="en-US" sz="1600" b="1" kern="0">
-              <a:solidFill>
-                <a:srgbClr val="1A7BAE"/>
-              </a:solidFill>
-              <a:latin typeface="微软雅黑" panose="020B0503020204020204" pitchFamily="34" charset="-122"/>
-            </a:endParaRPr>
-          </a:p>
-        </p:txBody>
-      </p:sp>
-      <p:sp>
-        <p:nvSpPr>
-          <p:cNvPr id="41" name="矩形 40"/>
-          <p:cNvSpPr/>
-          <p:nvPr/>
-        </p:nvSpPr>
-        <p:spPr>
-          <a:xfrm>
-            <a:off x="951910" y="4890692"/>
-            <a:ext cx="995680" cy="337185"/>
-          </a:xfrm>
-          <a:prstGeom prst="rect">
-            <a:avLst/>
-          </a:prstGeom>
-        </p:spPr>
-        <p:txBody>
-          <a:bodyPr wrap="none">
-            <a:spAutoFit/>
-          </a:bodyPr>
-          <a:lstStyle/>
-          <a:p>
-            <a:pPr algn="ctr" defTabSz="1219200"/>
-            <a:r>
-              <a:rPr lang="en-US" altLang="zh-CN" sz="2000" b="1" kern="0" dirty="0">
-                <a:solidFill>
-                  <a:schemeClr val="accent1">
-                    <a:lumMod val="40000"/>
-                    <a:lumOff val="60000"/>
-                  </a:schemeClr>
-                </a:solidFill>
-                <a:latin typeface="微软雅黑" panose="020B0503020204020204" pitchFamily="34" charset="-122"/>
-              </a:rPr>
-              <a:t>影响分析</a:t>
-            </a:r>
-            <a:endParaRPr lang="en-US" altLang="zh-CN" sz="1600" b="1" kern="0">
-              <a:solidFill>
-                <a:schemeClr val="accent1">
-                  <a:lumMod val="40000"/>
-                  <a:lumOff val="60000"/>
-                </a:schemeClr>
-              </a:solidFill>
-              <a:latin typeface="微软雅黑" panose="020B0503020204020204" pitchFamily="34" charset="-122"/>
-            </a:endParaRPr>
-          </a:p>
-        </p:txBody>
-      </p:sp>
-      <p:sp>
-        <p:nvSpPr>
-          <p:cNvPr id="43" name="矩形 42"/>
-          <p:cNvSpPr/>
-          <p:nvPr/>
-        </p:nvSpPr>
-        <p:spPr>
-          <a:xfrm>
-            <a:off x="2135505" y="2627630"/>
-            <a:ext cx="8296910" cy="769620"/>
-          </a:xfrm>
-          <a:prstGeom prst="rect">
-            <a:avLst/>
-          </a:prstGeom>
-        </p:spPr>
-        <p:txBody>
-          <a:bodyPr wrap="square">
-            <a:spAutoFit/>
-          </a:bodyPr>
-          <a:lstStyle/>
-          <a:p>
-            <a:pPr defTabSz="1219200">
-              <a:lnSpc>
-                <a:spcPct val="150000"/>
-              </a:lnSpc>
-            </a:pPr>
-            <a:r>
-              <a:rPr lang="zh-CN" altLang="en-US" sz="1465" b="1" kern="0" dirty="0">
-                <a:solidFill>
-                  <a:schemeClr val="tx1"/>
-                </a:solidFill>
-                <a:latin typeface="+mn-ea"/>
-              </a:rPr>
-              <a:t>语音识别开发包“xfyun_waterplus”发生损坏，导致机器人无法发出“噔噔噔”的录音准备提示。没有提示音的情况下，测试人员</a:t>
-            </a:r>
-            <a:r>
-              <a:rPr lang="en-US" altLang="zh-CN" sz="1465" b="1" kern="0" dirty="0">
-                <a:solidFill>
-                  <a:schemeClr val="tx1"/>
-                </a:solidFill>
-                <a:latin typeface="+mn-ea"/>
-              </a:rPr>
-              <a:t>(</a:t>
-            </a:r>
-            <a:r>
-              <a:rPr lang="zh-CN" altLang="en-US" sz="1465" b="1" kern="0" dirty="0">
-                <a:solidFill>
-                  <a:schemeClr val="tx1"/>
-                </a:solidFill>
-                <a:latin typeface="+mn-ea"/>
-              </a:rPr>
-              <a:t>及用户</a:t>
-            </a:r>
-            <a:r>
-              <a:rPr lang="en-US" altLang="zh-CN" sz="1465" b="1" kern="0" dirty="0">
-                <a:solidFill>
-                  <a:schemeClr val="tx1"/>
-                </a:solidFill>
-                <a:latin typeface="+mn-ea"/>
-              </a:rPr>
-              <a:t>)</a:t>
-            </a:r>
-            <a:r>
-              <a:rPr lang="zh-CN" altLang="en-US" sz="1465" b="1" kern="0" dirty="0">
-                <a:solidFill>
-                  <a:schemeClr val="tx1"/>
-                </a:solidFill>
-                <a:latin typeface="+mn-ea"/>
-              </a:rPr>
-              <a:t>无法判断下达指令的准确时机，导致录音前半部分缺失。</a:t>
-            </a:r>
-          </a:p>
-        </p:txBody>
-      </p:sp>
-      <p:sp>
-        <p:nvSpPr>
-          <p:cNvPr id="46" name="矩形 45"/>
-          <p:cNvSpPr/>
-          <p:nvPr/>
-        </p:nvSpPr>
-        <p:spPr>
-          <a:xfrm>
-            <a:off x="2135505" y="4658995"/>
-            <a:ext cx="8296910" cy="769620"/>
-          </a:xfrm>
-          <a:prstGeom prst="rect">
-            <a:avLst/>
-          </a:prstGeom>
-        </p:spPr>
-        <p:txBody>
-          <a:bodyPr wrap="square">
-            <a:spAutoFit/>
-          </a:bodyPr>
-          <a:lstStyle/>
-          <a:p>
-            <a:pPr defTabSz="1219200">
-              <a:lnSpc>
-                <a:spcPct val="150000"/>
-              </a:lnSpc>
-            </a:pPr>
-            <a:r>
-              <a:rPr lang="zh-CN" altLang="en-US" sz="1465" b="1" kern="0" dirty="0">
-                <a:latin typeface="+mn-ea"/>
-              </a:rPr>
-              <a:t>“噔噔噔”录音准备提示并非录音必需条件，但是对于用户使用机器人的便捷性有很大程度影响，且贯穿其余测试流程。该问题的修复办法并未涉及改变系统程序逻辑和设计。</a:t>
-            </a:r>
-          </a:p>
-        </p:txBody>
-      </p:sp>
-      <p:sp>
-        <p:nvSpPr>
-          <p:cNvPr id="47" name="矩形 46"/>
-          <p:cNvSpPr/>
-          <p:nvPr/>
-        </p:nvSpPr>
-        <p:spPr>
-          <a:xfrm>
-            <a:off x="3054985" y="3794760"/>
-            <a:ext cx="5104765" cy="430530"/>
-          </a:xfrm>
-          <a:prstGeom prst="rect">
-            <a:avLst/>
-          </a:prstGeom>
-        </p:spPr>
-        <p:txBody>
-          <a:bodyPr wrap="square">
-            <a:spAutoFit/>
-          </a:bodyPr>
-          <a:lstStyle/>
-          <a:p>
-            <a:pPr algn="r" defTabSz="1219200">
-              <a:lnSpc>
-                <a:spcPct val="150000"/>
-              </a:lnSpc>
-            </a:pPr>
-            <a:r>
-              <a:rPr lang="zh-CN" altLang="en-US" sz="1465" b="1" kern="0" dirty="0">
-                <a:solidFill>
-                  <a:schemeClr val="tx1"/>
-                </a:solidFill>
-                <a:latin typeface="+mn-ea"/>
-              </a:rPr>
-              <a:t>重新下载安装ROS环境中的“xfyun_waterplus”。</a:t>
-            </a:r>
-          </a:p>
-        </p:txBody>
-      </p:sp>
-      <p:sp>
-        <p:nvSpPr>
-          <p:cNvPr id="51" name="矩形 50"/>
-          <p:cNvSpPr/>
-          <p:nvPr/>
-        </p:nvSpPr>
-        <p:spPr>
-          <a:xfrm>
-            <a:off x="5059521" y="1725470"/>
-            <a:ext cx="2924024" cy="553085"/>
-          </a:xfrm>
-          <a:prstGeom prst="rect">
-            <a:avLst/>
-          </a:prstGeom>
-        </p:spPr>
-        <p:txBody>
-          <a:bodyPr wrap="square">
-            <a:spAutoFit/>
-          </a:bodyPr>
-          <a:lstStyle/>
-          <a:p>
-            <a:pPr algn="r" defTabSz="1219200">
-              <a:lnSpc>
-                <a:spcPct val="150000"/>
-              </a:lnSpc>
-            </a:pPr>
-            <a:r>
-              <a:rPr lang="zh-CN" altLang="en-US" sz="2000" b="1" kern="0" dirty="0">
-                <a:solidFill>
-                  <a:schemeClr val="tx1"/>
-                </a:solidFill>
-                <a:latin typeface="+mn-ea"/>
-              </a:rPr>
-              <a:t>KL-P-V-1</a:t>
-            </a:r>
-          </a:p>
-        </p:txBody>
-      </p:sp>
-      <p:sp>
-        <p:nvSpPr>
-          <p:cNvPr id="29" name="文本占位符 7"/>
+      <p:sp>
+        <p:nvSpPr>
+          <p:cNvPr id="11" name="文本占位符 9"/>
           <p:cNvSpPr>
             <a:spLocks noGrp="1"/>
           </p:cNvSpPr>
           <p:nvPr>
-            <p:ph type="body" sz="quarter" idx="15"/>
+            <p:ph type="body" sz="quarter" idx="11"/>
+          </p:nvPr>
+        </p:nvSpPr>
+        <p:spPr/>
+        <p:txBody>
+          <a:bodyPr/>
+          <a:lstStyle/>
+          <a:p>
+            <a:r>
+              <a:rPr lang="en-US" altLang="zh-CN" kern="0" dirty="0"/>
+              <a:t>PART FOUR</a:t>
+            </a:r>
+            <a:endParaRPr lang="zh-CN" altLang="en-US" kern="0" dirty="0"/>
+          </a:p>
+        </p:txBody>
+      </p:sp>
+      <p:sp>
+        <p:nvSpPr>
+          <p:cNvPr id="7" name="文本占位符 6"/>
+          <p:cNvSpPr>
+            <a:spLocks noGrp="1"/>
+          </p:cNvSpPr>
+          <p:nvPr>
+            <p:ph type="body" sz="quarter" idx="12"/>
+          </p:nvPr>
+        </p:nvSpPr>
+        <p:spPr/>
+        <p:txBody>
+          <a:bodyPr/>
+          <a:lstStyle/>
+          <a:p>
+            <a:r>
+              <a:rPr lang="en-US" altLang="zh-CN" dirty="0"/>
+              <a:t>4</a:t>
+            </a:r>
+            <a:endParaRPr lang="zh-CN" altLang="en-US" dirty="0"/>
+          </a:p>
+        </p:txBody>
+      </p:sp>
+      <p:sp>
+        <p:nvSpPr>
+          <p:cNvPr id="12" name="文本占位符 11"/>
+          <p:cNvSpPr>
+            <a:spLocks noGrp="1"/>
+          </p:cNvSpPr>
+          <p:nvPr>
+            <p:ph type="body" sz="quarter" idx="13"/>
           </p:nvPr>
         </p:nvSpPr>
         <p:spPr>
           <a:xfrm>
-            <a:off x="824307" y="226660"/>
-            <a:ext cx="7928834" cy="583565"/>
+            <a:off x="5194570" y="2791947"/>
+            <a:ext cx="6569245" cy="748030"/>
           </a:xfrm>
         </p:spPr>
         <p:txBody>
@@ -25165,51 +23292,23 @@
           <a:p>
             <a:r>
               <a:rPr lang="zh-CN" altLang="en-US" dirty="0"/>
-              <a:t>语音测试问题（</a:t>
+              <a:t>测试问题</a:t>
             </a:r>
             <a:r>
               <a:rPr lang="en-US" altLang="zh-CN" dirty="0"/>
-              <a:t>STR-P42</a:t>
+              <a:t>&amp;</a:t>
             </a:r>
             <a:r>
               <a:rPr lang="zh-CN" altLang="en-US" dirty="0"/>
-              <a:t>）</a:t>
-            </a:r>
-          </a:p>
-        </p:txBody>
-      </p:sp>
-      <p:sp>
-        <p:nvSpPr>
-          <p:cNvPr id="3" name="矩形 2"/>
-          <p:cNvSpPr/>
-          <p:nvPr/>
-        </p:nvSpPr>
-        <p:spPr>
-          <a:xfrm>
-            <a:off x="8307049" y="3794958"/>
-            <a:ext cx="1198880" cy="398780"/>
-          </a:xfrm>
-          <a:prstGeom prst="rect">
-            <a:avLst/>
-          </a:prstGeom>
-        </p:spPr>
-        <p:txBody>
-          <a:bodyPr wrap="none">
-            <a:spAutoFit/>
-          </a:bodyPr>
-          <a:lstStyle/>
-          <a:p>
-            <a:pPr algn="ctr" defTabSz="1219200"/>
-            <a:r>
-              <a:rPr lang="zh-CN" altLang="en-US" sz="2000" b="1" kern="0" dirty="0">
-                <a:solidFill>
-                  <a:schemeClr val="accent1">
-                    <a:lumMod val="75000"/>
-                  </a:schemeClr>
-                </a:solidFill>
-                <a:latin typeface="微软雅黑" panose="020B0503020204020204" pitchFamily="34" charset="-122"/>
-              </a:rPr>
-              <a:t>解决方案</a:t>
+              <a:t>后续解决</a:t>
+            </a:r>
+            <a:r>
+              <a:rPr lang="en-US" altLang="zh-CN" dirty="0"/>
+              <a:t>&amp;</a:t>
+            </a:r>
+            <a:r>
+              <a:rPr lang="zh-CN" altLang="en-US" dirty="0"/>
+              <a:t>评价</a:t>
             </a:r>
           </a:p>
         </p:txBody>
@@ -25217,7 +23316,7 @@
     </p:spTree>
     <p:extLst>
       <p:ext uri="{BB962C8B-B14F-4D97-AF65-F5344CB8AC3E}">
-        <p14:creationId xmlns:p14="http://schemas.microsoft.com/office/powerpoint/2010/main" val="3178219648"/>
+        <p14:creationId xmlns:p14="http://schemas.microsoft.com/office/powerpoint/2010/main" val="3065524056"/>
       </p:ext>
     </p:extLst>
   </p:cSld>
@@ -25813,13 +23912,49 @@
               </a:lnSpc>
             </a:pPr>
             <a:r>
-              <a:rPr sz="1465" b="1" kern="0" dirty="0">
+              <a:rPr lang="zh-CN" altLang="en-US" sz="1465" b="1" kern="0" dirty="0">
                 <a:solidFill>
                   <a:schemeClr val="tx1"/>
                 </a:solidFill>
                 <a:latin typeface="+mn-ea"/>
               </a:rPr>
-              <a:t>ROS环境中抓取相关服务包“wpb_home\wpb_home_bringup”中的抓取参数“.\config\wpb_home.yaml”文件中原本参数设置不符合抓取的实际情况。</a:t>
+              <a:t>语音识别开发包“xfyun_waterplus”发生损坏，导致机器人无法发出“噔噔噔”的录音准备提示。没有提示音的情况下，测试人员</a:t>
+            </a:r>
+            <a:r>
+              <a:rPr lang="en-US" altLang="zh-CN" sz="1465" b="1" kern="0" dirty="0">
+                <a:solidFill>
+                  <a:schemeClr val="tx1"/>
+                </a:solidFill>
+                <a:latin typeface="+mn-ea"/>
+              </a:rPr>
+              <a:t>(</a:t>
+            </a:r>
+            <a:r>
+              <a:rPr lang="zh-CN" altLang="en-US" sz="1465" b="1" kern="0" dirty="0">
+                <a:solidFill>
+                  <a:schemeClr val="tx1"/>
+                </a:solidFill>
+                <a:latin typeface="+mn-ea"/>
+              </a:rPr>
+              <a:t>及用户</a:t>
+            </a:r>
+            <a:r>
+              <a:rPr lang="en-US" altLang="zh-CN" sz="1465" b="1" kern="0" dirty="0">
+                <a:solidFill>
+                  <a:schemeClr val="tx1"/>
+                </a:solidFill>
+                <a:latin typeface="+mn-ea"/>
+              </a:rPr>
+              <a:t>)</a:t>
+            </a:r>
+            <a:r>
+              <a:rPr lang="zh-CN" altLang="en-US" sz="1465" b="1" kern="0" dirty="0">
+                <a:solidFill>
+                  <a:schemeClr val="tx1"/>
+                </a:solidFill>
+                <a:latin typeface="+mn-ea"/>
+              </a:rPr>
+              <a:t>无法判断下达指令的准确时机，导致录音前半部分缺失。</a:t>
             </a:r>
           </a:p>
         </p:txBody>
@@ -25854,7 +23989,7 @@
               <a:rPr lang="zh-CN" altLang="en-US" sz="1465" b="1" kern="0" dirty="0">
                 <a:latin typeface="+mn-ea"/>
               </a:rPr>
-              <a:t>本错误为参数调整不当，导致抓取功能出现严重误差，必须完全修复。该错误的修复不涉及对系统软件设计和逻辑的修改，不影响其余正常功能的实现。</a:t>
+              <a:t>“噔噔噔”录音准备提示并非录音必需条件，但是对于用户使用机器人的便捷性有很大程度影响，且贯穿其余测试流程。该问题的修复办法并未涉及改变系统程序逻辑和设计。</a:t>
             </a:r>
           </a:p>
         </p:txBody>
@@ -25867,8 +24002,8 @@
         </p:nvSpPr>
         <p:spPr>
           <a:xfrm>
-            <a:off x="244475" y="3794760"/>
-            <a:ext cx="7915275" cy="430530"/>
+            <a:off x="3054985" y="3794760"/>
+            <a:ext cx="5104765" cy="430530"/>
           </a:xfrm>
           <a:prstGeom prst="rect">
             <a:avLst/>
@@ -25892,7 +24027,7 @@
                 </a:solidFill>
                 <a:latin typeface="+mn-ea"/>
               </a:rPr>
-              <a:t>对“wpb_home\wpb_home_bringup\config\wpb_home.yaml”中相关参数进行修改</a:t>
+              <a:t>重新下载安装ROS环境中的“xfyun_waterplus”。</a:t>
             </a:r>
           </a:p>
         </p:txBody>
@@ -25930,7 +24065,7 @@
                 </a:solidFill>
                 <a:latin typeface="+mn-ea"/>
               </a:rPr>
-              <a:t>KL-P-G-3</a:t>
+              <a:t>KL-P-V-1</a:t>
             </a:r>
           </a:p>
         </p:txBody>
@@ -25957,31 +24092,16 @@
           <a:p>
             <a:r>
               <a:rPr lang="zh-CN" altLang="en-US" dirty="0"/>
-              <a:t>抓取问题</a:t>
+              <a:t>语音测试问题（</a:t>
             </a:r>
             <a:r>
               <a:rPr lang="en-US" altLang="zh-CN" dirty="0"/>
-              <a:t>1</a:t>
-            </a:r>
-            <a:r>
-              <a:rPr lang="zh-CN" altLang="en-US" dirty="0">
-                <a:sym typeface="+mn-ea"/>
-              </a:rPr>
-              <a:t>（</a:t>
-            </a:r>
-            <a:r>
-              <a:rPr lang="en-US" altLang="zh-CN" dirty="0">
-                <a:sym typeface="+mn-ea"/>
-              </a:rPr>
-              <a:t>STR-P41</a:t>
-            </a:r>
-            <a:r>
-              <a:rPr lang="zh-CN" altLang="en-US" dirty="0">
-                <a:sym typeface="+mn-ea"/>
-              </a:rPr>
+              <a:t>STR-P42</a:t>
+            </a:r>
+            <a:r>
+              <a:rPr lang="zh-CN" altLang="en-US" dirty="0"/>
               <a:t>）</a:t>
             </a:r>
-            <a:endParaRPr lang="zh-CN" altLang="en-US" dirty="0"/>
           </a:p>
         </p:txBody>
       </p:sp>
@@ -26024,7 +24144,7 @@
     </p:spTree>
     <p:extLst>
       <p:ext uri="{BB962C8B-B14F-4D97-AF65-F5344CB8AC3E}">
-        <p14:creationId xmlns:p14="http://schemas.microsoft.com/office/powerpoint/2010/main" val="164147422"/>
+        <p14:creationId xmlns:p14="http://schemas.microsoft.com/office/powerpoint/2010/main" val="3178219648"/>
       </p:ext>
     </p:extLst>
   </p:cSld>
@@ -26601,6 +24721,813 @@
         </p:nvSpPr>
         <p:spPr>
           <a:xfrm>
+            <a:off x="2135505" y="2627630"/>
+            <a:ext cx="8296910" cy="769620"/>
+          </a:xfrm>
+          <a:prstGeom prst="rect">
+            <a:avLst/>
+          </a:prstGeom>
+        </p:spPr>
+        <p:txBody>
+          <a:bodyPr wrap="square">
+            <a:spAutoFit/>
+          </a:bodyPr>
+          <a:lstStyle/>
+          <a:p>
+            <a:pPr defTabSz="1219200">
+              <a:lnSpc>
+                <a:spcPct val="150000"/>
+              </a:lnSpc>
+            </a:pPr>
+            <a:r>
+              <a:rPr sz="1465" b="1" kern="0" dirty="0">
+                <a:solidFill>
+                  <a:schemeClr val="tx1"/>
+                </a:solidFill>
+                <a:latin typeface="+mn-ea"/>
+              </a:rPr>
+              <a:t>ROS环境中抓取相关服务包“wpb_home\wpb_home_bringup”中的抓取参数“.\config\wpb_home.yaml”文件中原本参数设置不符合抓取的实际情况。</a:t>
+            </a:r>
+          </a:p>
+        </p:txBody>
+      </p:sp>
+      <p:sp>
+        <p:nvSpPr>
+          <p:cNvPr id="46" name="矩形 45"/>
+          <p:cNvSpPr/>
+          <p:nvPr/>
+        </p:nvSpPr>
+        <p:spPr>
+          <a:xfrm>
+            <a:off x="2135505" y="4658995"/>
+            <a:ext cx="8296910" cy="769620"/>
+          </a:xfrm>
+          <a:prstGeom prst="rect">
+            <a:avLst/>
+          </a:prstGeom>
+        </p:spPr>
+        <p:txBody>
+          <a:bodyPr wrap="square">
+            <a:spAutoFit/>
+          </a:bodyPr>
+          <a:lstStyle/>
+          <a:p>
+            <a:pPr defTabSz="1219200">
+              <a:lnSpc>
+                <a:spcPct val="150000"/>
+              </a:lnSpc>
+            </a:pPr>
+            <a:r>
+              <a:rPr lang="zh-CN" altLang="en-US" sz="1465" b="1" kern="0" dirty="0">
+                <a:latin typeface="+mn-ea"/>
+              </a:rPr>
+              <a:t>本错误为参数调整不当，导致抓取功能出现严重误差，必须完全修复。该错误的修复不涉及对系统软件设计和逻辑的修改，不影响其余正常功能的实现。</a:t>
+            </a:r>
+          </a:p>
+        </p:txBody>
+      </p:sp>
+      <p:sp>
+        <p:nvSpPr>
+          <p:cNvPr id="47" name="矩形 46"/>
+          <p:cNvSpPr/>
+          <p:nvPr/>
+        </p:nvSpPr>
+        <p:spPr>
+          <a:xfrm>
+            <a:off x="244475" y="3794760"/>
+            <a:ext cx="7915275" cy="430530"/>
+          </a:xfrm>
+          <a:prstGeom prst="rect">
+            <a:avLst/>
+          </a:prstGeom>
+        </p:spPr>
+        <p:txBody>
+          <a:bodyPr wrap="square">
+            <a:spAutoFit/>
+          </a:bodyPr>
+          <a:lstStyle/>
+          <a:p>
+            <a:pPr algn="r" defTabSz="1219200">
+              <a:lnSpc>
+                <a:spcPct val="150000"/>
+              </a:lnSpc>
+            </a:pPr>
+            <a:r>
+              <a:rPr lang="zh-CN" altLang="en-US" sz="1465" b="1" kern="0" dirty="0">
+                <a:solidFill>
+                  <a:schemeClr val="tx1"/>
+                </a:solidFill>
+                <a:latin typeface="+mn-ea"/>
+              </a:rPr>
+              <a:t>对“wpb_home\wpb_home_bringup\config\wpb_home.yaml”中相关参数进行修改</a:t>
+            </a:r>
+          </a:p>
+        </p:txBody>
+      </p:sp>
+      <p:sp>
+        <p:nvSpPr>
+          <p:cNvPr id="51" name="矩形 50"/>
+          <p:cNvSpPr/>
+          <p:nvPr/>
+        </p:nvSpPr>
+        <p:spPr>
+          <a:xfrm>
+            <a:off x="5059521" y="1725470"/>
+            <a:ext cx="2924024" cy="553085"/>
+          </a:xfrm>
+          <a:prstGeom prst="rect">
+            <a:avLst/>
+          </a:prstGeom>
+        </p:spPr>
+        <p:txBody>
+          <a:bodyPr wrap="square">
+            <a:spAutoFit/>
+          </a:bodyPr>
+          <a:lstStyle/>
+          <a:p>
+            <a:pPr algn="r" defTabSz="1219200">
+              <a:lnSpc>
+                <a:spcPct val="150000"/>
+              </a:lnSpc>
+            </a:pPr>
+            <a:r>
+              <a:rPr lang="zh-CN" altLang="en-US" sz="2000" b="1" kern="0" dirty="0">
+                <a:solidFill>
+                  <a:schemeClr val="tx1"/>
+                </a:solidFill>
+                <a:latin typeface="+mn-ea"/>
+              </a:rPr>
+              <a:t>KL-P-G-3</a:t>
+            </a:r>
+          </a:p>
+        </p:txBody>
+      </p:sp>
+      <p:sp>
+        <p:nvSpPr>
+          <p:cNvPr id="29" name="文本占位符 7"/>
+          <p:cNvSpPr>
+            <a:spLocks noGrp="1"/>
+          </p:cNvSpPr>
+          <p:nvPr>
+            <p:ph type="body" sz="quarter" idx="15"/>
+          </p:nvPr>
+        </p:nvSpPr>
+        <p:spPr>
+          <a:xfrm>
+            <a:off x="824307" y="226660"/>
+            <a:ext cx="7928834" cy="583565"/>
+          </a:xfrm>
+        </p:spPr>
+        <p:txBody>
+          <a:bodyPr/>
+          <a:lstStyle/>
+          <a:p>
+            <a:r>
+              <a:rPr lang="zh-CN" altLang="en-US" dirty="0"/>
+              <a:t>抓取问题</a:t>
+            </a:r>
+            <a:r>
+              <a:rPr lang="en-US" altLang="zh-CN" dirty="0"/>
+              <a:t>1</a:t>
+            </a:r>
+            <a:r>
+              <a:rPr lang="zh-CN" altLang="en-US" dirty="0">
+                <a:sym typeface="+mn-ea"/>
+              </a:rPr>
+              <a:t>（</a:t>
+            </a:r>
+            <a:r>
+              <a:rPr lang="en-US" altLang="zh-CN" dirty="0">
+                <a:sym typeface="+mn-ea"/>
+              </a:rPr>
+              <a:t>STR-P41</a:t>
+            </a:r>
+            <a:r>
+              <a:rPr lang="zh-CN" altLang="en-US" dirty="0">
+                <a:sym typeface="+mn-ea"/>
+              </a:rPr>
+              <a:t>）</a:t>
+            </a:r>
+            <a:endParaRPr lang="zh-CN" altLang="en-US" dirty="0"/>
+          </a:p>
+        </p:txBody>
+      </p:sp>
+      <p:sp>
+        <p:nvSpPr>
+          <p:cNvPr id="3" name="矩形 2"/>
+          <p:cNvSpPr/>
+          <p:nvPr/>
+        </p:nvSpPr>
+        <p:spPr>
+          <a:xfrm>
+            <a:off x="8307049" y="3794958"/>
+            <a:ext cx="1198880" cy="398780"/>
+          </a:xfrm>
+          <a:prstGeom prst="rect">
+            <a:avLst/>
+          </a:prstGeom>
+        </p:spPr>
+        <p:txBody>
+          <a:bodyPr wrap="none">
+            <a:spAutoFit/>
+          </a:bodyPr>
+          <a:lstStyle/>
+          <a:p>
+            <a:pPr algn="ctr" defTabSz="1219200"/>
+            <a:r>
+              <a:rPr lang="zh-CN" altLang="en-US" sz="2000" b="1" kern="0" dirty="0">
+                <a:solidFill>
+                  <a:schemeClr val="accent1">
+                    <a:lumMod val="75000"/>
+                  </a:schemeClr>
+                </a:solidFill>
+                <a:latin typeface="微软雅黑" panose="020B0503020204020204" pitchFamily="34" charset="-122"/>
+              </a:rPr>
+              <a:t>解决方案</a:t>
+            </a:r>
+          </a:p>
+        </p:txBody>
+      </p:sp>
+    </p:spTree>
+    <p:extLst>
+      <p:ext uri="{BB962C8B-B14F-4D97-AF65-F5344CB8AC3E}">
+        <p14:creationId xmlns:p14="http://schemas.microsoft.com/office/powerpoint/2010/main" val="164147422"/>
+      </p:ext>
+    </p:extLst>
+  </p:cSld>
+  <p:clrMapOvr>
+    <a:masterClrMapping/>
+  </p:clrMapOvr>
+  <mc:AlternateContent xmlns:mc="http://schemas.openxmlformats.org/markup-compatibility/2006" xmlns:p14="http://schemas.microsoft.com/office/powerpoint/2010/main">
+    <mc:Choice Requires="p14">
+      <p:transition spd="med" p14:dur="700">
+        <p:fade/>
+      </p:transition>
+    </mc:Choice>
+    <mc:Fallback xmlns="">
+      <p:transition spd="med">
+        <p:fade/>
+      </p:transition>
+    </mc:Fallback>
+  </mc:AlternateContent>
+</p:sld>
+</file>
+
+<file path=ppt/slides/slide24.xml><?xml version="1.0" encoding="utf-8"?>
+<p:sld xmlns:a="http://schemas.openxmlformats.org/drawingml/2006/main" xmlns:r="http://schemas.openxmlformats.org/officeDocument/2006/relationships" xmlns:p="http://schemas.openxmlformats.org/presentationml/2006/main">
+  <p:cSld>
+    <p:spTree>
+      <p:nvGrpSpPr>
+        <p:cNvPr id="1" name=""/>
+        <p:cNvGrpSpPr/>
+        <p:nvPr/>
+      </p:nvGrpSpPr>
+      <p:grpSpPr>
+        <a:xfrm>
+          <a:off x="0" y="0"/>
+          <a:ext cx="0" cy="0"/>
+          <a:chOff x="0" y="0"/>
+          <a:chExt cx="0" cy="0"/>
+        </a:xfrm>
+      </p:grpSpPr>
+      <p:cxnSp>
+        <p:nvCxnSpPr>
+          <p:cNvPr id="20" name="直接连接符 19"/>
+          <p:cNvCxnSpPr/>
+          <p:nvPr/>
+        </p:nvCxnSpPr>
+        <p:spPr>
+          <a:xfrm>
+            <a:off x="0" y="1508760"/>
+            <a:ext cx="8623935" cy="0"/>
+          </a:xfrm>
+          <a:prstGeom prst="line">
+            <a:avLst/>
+          </a:prstGeom>
+          <a:ln w="19050">
+            <a:solidFill>
+              <a:schemeClr val="bg1">
+                <a:lumMod val="50000"/>
+              </a:schemeClr>
+            </a:solidFill>
+          </a:ln>
+        </p:spPr>
+        <p:style>
+          <a:lnRef idx="1">
+            <a:schemeClr val="accent1"/>
+          </a:lnRef>
+          <a:fillRef idx="0">
+            <a:schemeClr val="accent1"/>
+          </a:fillRef>
+          <a:effectRef idx="0">
+            <a:schemeClr val="accent1"/>
+          </a:effectRef>
+          <a:fontRef idx="minor">
+            <a:schemeClr val="tx1"/>
+          </a:fontRef>
+        </p:style>
+      </p:cxnSp>
+      <p:cxnSp>
+        <p:nvCxnSpPr>
+          <p:cNvPr id="21" name="直接连接符 20"/>
+          <p:cNvCxnSpPr/>
+          <p:nvPr/>
+        </p:nvCxnSpPr>
+        <p:spPr>
+          <a:xfrm>
+            <a:off x="1459230" y="2513965"/>
+            <a:ext cx="7459345" cy="0"/>
+          </a:xfrm>
+          <a:prstGeom prst="line">
+            <a:avLst/>
+          </a:prstGeom>
+          <a:ln w="19050">
+            <a:solidFill>
+              <a:schemeClr val="bg1">
+                <a:lumMod val="50000"/>
+              </a:schemeClr>
+            </a:solidFill>
+          </a:ln>
+        </p:spPr>
+        <p:style>
+          <a:lnRef idx="1">
+            <a:schemeClr val="accent1"/>
+          </a:lnRef>
+          <a:fillRef idx="0">
+            <a:schemeClr val="accent1"/>
+          </a:fillRef>
+          <a:effectRef idx="0">
+            <a:schemeClr val="accent1"/>
+          </a:effectRef>
+          <a:fontRef idx="minor">
+            <a:schemeClr val="tx1"/>
+          </a:fontRef>
+        </p:style>
+      </p:cxnSp>
+      <p:cxnSp>
+        <p:nvCxnSpPr>
+          <p:cNvPr id="22" name="直接连接符 21"/>
+          <p:cNvCxnSpPr/>
+          <p:nvPr/>
+        </p:nvCxnSpPr>
+        <p:spPr>
+          <a:xfrm>
+            <a:off x="1459013" y="5529233"/>
+            <a:ext cx="10732988" cy="0"/>
+          </a:xfrm>
+          <a:prstGeom prst="line">
+            <a:avLst/>
+          </a:prstGeom>
+          <a:ln w="19050">
+            <a:solidFill>
+              <a:schemeClr val="bg1">
+                <a:lumMod val="50000"/>
+              </a:schemeClr>
+            </a:solidFill>
+          </a:ln>
+        </p:spPr>
+        <p:style>
+          <a:lnRef idx="1">
+            <a:schemeClr val="accent1"/>
+          </a:lnRef>
+          <a:fillRef idx="0">
+            <a:schemeClr val="accent1"/>
+          </a:fillRef>
+          <a:effectRef idx="0">
+            <a:schemeClr val="accent1"/>
+          </a:effectRef>
+          <a:fontRef idx="minor">
+            <a:schemeClr val="tx1"/>
+          </a:fontRef>
+        </p:style>
+      </p:cxnSp>
+      <p:cxnSp>
+        <p:nvCxnSpPr>
+          <p:cNvPr id="23" name="直接连接符 22"/>
+          <p:cNvCxnSpPr/>
+          <p:nvPr/>
+        </p:nvCxnSpPr>
+        <p:spPr>
+          <a:xfrm>
+            <a:off x="1459230" y="3519170"/>
+            <a:ext cx="7164705" cy="0"/>
+          </a:xfrm>
+          <a:prstGeom prst="line">
+            <a:avLst/>
+          </a:prstGeom>
+          <a:ln w="19050">
+            <a:solidFill>
+              <a:schemeClr val="bg1">
+                <a:lumMod val="50000"/>
+              </a:schemeClr>
+            </a:solidFill>
+          </a:ln>
+        </p:spPr>
+        <p:style>
+          <a:lnRef idx="1">
+            <a:schemeClr val="accent1"/>
+          </a:lnRef>
+          <a:fillRef idx="0">
+            <a:schemeClr val="accent1"/>
+          </a:fillRef>
+          <a:effectRef idx="0">
+            <a:schemeClr val="accent1"/>
+          </a:effectRef>
+          <a:fontRef idx="minor">
+            <a:schemeClr val="tx1"/>
+          </a:fontRef>
+        </p:style>
+      </p:cxnSp>
+      <p:cxnSp>
+        <p:nvCxnSpPr>
+          <p:cNvPr id="24" name="直接连接符 23"/>
+          <p:cNvCxnSpPr/>
+          <p:nvPr/>
+        </p:nvCxnSpPr>
+        <p:spPr>
+          <a:xfrm>
+            <a:off x="1475740" y="4524375"/>
+            <a:ext cx="7442835" cy="0"/>
+          </a:xfrm>
+          <a:prstGeom prst="line">
+            <a:avLst/>
+          </a:prstGeom>
+          <a:ln w="19050">
+            <a:solidFill>
+              <a:schemeClr val="bg1">
+                <a:lumMod val="50000"/>
+              </a:schemeClr>
+            </a:solidFill>
+          </a:ln>
+        </p:spPr>
+        <p:style>
+          <a:lnRef idx="1">
+            <a:schemeClr val="accent1"/>
+          </a:lnRef>
+          <a:fillRef idx="0">
+            <a:schemeClr val="accent1"/>
+          </a:fillRef>
+          <a:effectRef idx="0">
+            <a:schemeClr val="accent1"/>
+          </a:effectRef>
+          <a:fontRef idx="minor">
+            <a:schemeClr val="tx1"/>
+          </a:fontRef>
+        </p:style>
+      </p:cxnSp>
+      <p:sp>
+        <p:nvSpPr>
+          <p:cNvPr id="25" name="椭圆 24"/>
+          <p:cNvSpPr/>
+          <p:nvPr/>
+        </p:nvSpPr>
+        <p:spPr>
+          <a:xfrm>
+            <a:off x="8254649" y="1376350"/>
+            <a:ext cx="1251608" cy="1251608"/>
+          </a:xfrm>
+          <a:prstGeom prst="ellipse">
+            <a:avLst/>
+          </a:prstGeom>
+          <a:solidFill>
+            <a:schemeClr val="bg1"/>
+          </a:solidFill>
+          <a:ln w="28575">
+            <a:solidFill>
+              <a:schemeClr val="accent1">
+                <a:lumMod val="75000"/>
+              </a:schemeClr>
+            </a:solidFill>
+          </a:ln>
+        </p:spPr>
+        <p:style>
+          <a:lnRef idx="2">
+            <a:schemeClr val="accent1">
+              <a:shade val="50000"/>
+            </a:schemeClr>
+          </a:lnRef>
+          <a:fillRef idx="1">
+            <a:schemeClr val="accent1"/>
+          </a:fillRef>
+          <a:effectRef idx="0">
+            <a:schemeClr val="accent1"/>
+          </a:effectRef>
+          <a:fontRef idx="minor">
+            <a:schemeClr val="lt1"/>
+          </a:fontRef>
+        </p:style>
+        <p:txBody>
+          <a:bodyPr rtlCol="0" anchor="ctr"/>
+          <a:lstStyle/>
+          <a:p>
+            <a:pPr algn="ctr" defTabSz="1219200"/>
+            <a:endParaRPr lang="zh-CN" altLang="en-US" sz="1600" b="1" kern="0">
+              <a:solidFill>
+                <a:schemeClr val="accent1">
+                  <a:lumMod val="75000"/>
+                </a:schemeClr>
+              </a:solidFill>
+              <a:latin typeface="微软雅黑" panose="020B0503020204020204" pitchFamily="34" charset="-122"/>
+            </a:endParaRPr>
+          </a:p>
+        </p:txBody>
+      </p:sp>
+      <p:sp>
+        <p:nvSpPr>
+          <p:cNvPr id="26" name="矩形 25"/>
+          <p:cNvSpPr/>
+          <p:nvPr/>
+        </p:nvSpPr>
+        <p:spPr>
+          <a:xfrm>
+            <a:off x="8281014" y="1797248"/>
+            <a:ext cx="1198880" cy="398780"/>
+          </a:xfrm>
+          <a:prstGeom prst="rect">
+            <a:avLst/>
+          </a:prstGeom>
+        </p:spPr>
+        <p:txBody>
+          <a:bodyPr wrap="none">
+            <a:spAutoFit/>
+          </a:bodyPr>
+          <a:lstStyle/>
+          <a:p>
+            <a:pPr algn="ctr" defTabSz="1219200"/>
+            <a:r>
+              <a:rPr lang="zh-CN" altLang="en-US" sz="2000" b="1" kern="0" dirty="0">
+                <a:solidFill>
+                  <a:schemeClr val="accent1">
+                    <a:lumMod val="75000"/>
+                  </a:schemeClr>
+                </a:solidFill>
+                <a:latin typeface="微软雅黑" panose="020B0503020204020204" pitchFamily="34" charset="-122"/>
+              </a:rPr>
+              <a:t>问题标识</a:t>
+            </a:r>
+          </a:p>
+        </p:txBody>
+      </p:sp>
+      <p:sp>
+        <p:nvSpPr>
+          <p:cNvPr id="27" name="椭圆 26"/>
+          <p:cNvSpPr/>
+          <p:nvPr/>
+        </p:nvSpPr>
+        <p:spPr>
+          <a:xfrm>
+            <a:off x="823945" y="2401905"/>
+            <a:ext cx="1251608" cy="1251608"/>
+          </a:xfrm>
+          <a:prstGeom prst="ellipse">
+            <a:avLst/>
+          </a:prstGeom>
+          <a:solidFill>
+            <a:schemeClr val="bg1"/>
+          </a:solidFill>
+          <a:ln w="28575">
+            <a:solidFill>
+              <a:schemeClr val="accent1">
+                <a:lumMod val="40000"/>
+                <a:lumOff val="60000"/>
+              </a:schemeClr>
+            </a:solidFill>
+          </a:ln>
+        </p:spPr>
+        <p:style>
+          <a:lnRef idx="2">
+            <a:schemeClr val="accent1">
+              <a:shade val="50000"/>
+            </a:schemeClr>
+          </a:lnRef>
+          <a:fillRef idx="1">
+            <a:schemeClr val="accent1"/>
+          </a:fillRef>
+          <a:effectRef idx="0">
+            <a:schemeClr val="accent1"/>
+          </a:effectRef>
+          <a:fontRef idx="minor">
+            <a:schemeClr val="lt1"/>
+          </a:fontRef>
+        </p:style>
+        <p:txBody>
+          <a:bodyPr rtlCol="0" anchor="ctr"/>
+          <a:lstStyle/>
+          <a:p>
+            <a:pPr algn="ctr" defTabSz="1219200"/>
+            <a:endParaRPr lang="zh-CN" altLang="en-US" sz="1600" b="1" kern="0">
+              <a:solidFill>
+                <a:srgbClr val="1A7BAE"/>
+              </a:solidFill>
+              <a:latin typeface="微软雅黑" panose="020B0503020204020204" pitchFamily="34" charset="-122"/>
+            </a:endParaRPr>
+          </a:p>
+        </p:txBody>
+      </p:sp>
+      <p:sp>
+        <p:nvSpPr>
+          <p:cNvPr id="30" name="矩形 29"/>
+          <p:cNvSpPr/>
+          <p:nvPr/>
+        </p:nvSpPr>
+        <p:spPr>
+          <a:xfrm>
+            <a:off x="850310" y="2829153"/>
+            <a:ext cx="1198880" cy="398780"/>
+          </a:xfrm>
+          <a:prstGeom prst="rect">
+            <a:avLst/>
+          </a:prstGeom>
+        </p:spPr>
+        <p:txBody>
+          <a:bodyPr wrap="none">
+            <a:spAutoFit/>
+          </a:bodyPr>
+          <a:lstStyle/>
+          <a:p>
+            <a:pPr algn="ctr" defTabSz="1219200"/>
+            <a:r>
+              <a:rPr lang="en-US" altLang="zh-CN" sz="2000" b="1" kern="0" dirty="0">
+                <a:solidFill>
+                  <a:schemeClr val="accent1">
+                    <a:lumMod val="40000"/>
+                    <a:lumOff val="60000"/>
+                  </a:schemeClr>
+                </a:solidFill>
+                <a:latin typeface="微软雅黑" panose="020B0503020204020204" pitchFamily="34" charset="-122"/>
+              </a:rPr>
+              <a:t>原因分析</a:t>
+            </a:r>
+          </a:p>
+        </p:txBody>
+      </p:sp>
+      <p:sp>
+        <p:nvSpPr>
+          <p:cNvPr id="32" name="椭圆 31"/>
+          <p:cNvSpPr/>
+          <p:nvPr/>
+        </p:nvSpPr>
+        <p:spPr>
+          <a:xfrm>
+            <a:off x="8254649" y="3304540"/>
+            <a:ext cx="1251608" cy="1251608"/>
+          </a:xfrm>
+          <a:prstGeom prst="ellipse">
+            <a:avLst/>
+          </a:prstGeom>
+          <a:solidFill>
+            <a:schemeClr val="bg1"/>
+          </a:solidFill>
+          <a:ln w="28575">
+            <a:solidFill>
+              <a:schemeClr val="accent1">
+                <a:lumMod val="75000"/>
+              </a:schemeClr>
+            </a:solidFill>
+          </a:ln>
+        </p:spPr>
+        <p:style>
+          <a:lnRef idx="2">
+            <a:schemeClr val="accent1">
+              <a:shade val="50000"/>
+            </a:schemeClr>
+          </a:lnRef>
+          <a:fillRef idx="1">
+            <a:schemeClr val="accent1"/>
+          </a:fillRef>
+          <a:effectRef idx="0">
+            <a:schemeClr val="accent1"/>
+          </a:effectRef>
+          <a:fontRef idx="minor">
+            <a:schemeClr val="lt1"/>
+          </a:fontRef>
+        </p:style>
+        <p:txBody>
+          <a:bodyPr rtlCol="0" anchor="ctr"/>
+          <a:lstStyle/>
+          <a:p>
+            <a:pPr algn="ctr" defTabSz="1219200"/>
+            <a:endParaRPr lang="zh-CN" altLang="en-US" sz="1600" b="1" kern="0">
+              <a:solidFill>
+                <a:schemeClr val="accent1">
+                  <a:lumMod val="75000"/>
+                </a:schemeClr>
+              </a:solidFill>
+              <a:latin typeface="微软雅黑" panose="020B0503020204020204" pitchFamily="34" charset="-122"/>
+            </a:endParaRPr>
+          </a:p>
+        </p:txBody>
+      </p:sp>
+      <p:sp>
+        <p:nvSpPr>
+          <p:cNvPr id="37" name="椭圆 36"/>
+          <p:cNvSpPr/>
+          <p:nvPr/>
+        </p:nvSpPr>
+        <p:spPr>
+          <a:xfrm>
+            <a:off x="823945" y="4433600"/>
+            <a:ext cx="1251608" cy="1251608"/>
+          </a:xfrm>
+          <a:prstGeom prst="ellipse">
+            <a:avLst/>
+          </a:prstGeom>
+          <a:solidFill>
+            <a:schemeClr val="bg1"/>
+          </a:solidFill>
+          <a:ln w="28575">
+            <a:solidFill>
+              <a:schemeClr val="accent1">
+                <a:lumMod val="40000"/>
+                <a:lumOff val="60000"/>
+              </a:schemeClr>
+            </a:solidFill>
+          </a:ln>
+        </p:spPr>
+        <p:style>
+          <a:lnRef idx="2">
+            <a:schemeClr val="accent1">
+              <a:shade val="50000"/>
+            </a:schemeClr>
+          </a:lnRef>
+          <a:fillRef idx="1">
+            <a:schemeClr val="accent1"/>
+          </a:fillRef>
+          <a:effectRef idx="0">
+            <a:schemeClr val="accent1"/>
+          </a:effectRef>
+          <a:fontRef idx="minor">
+            <a:schemeClr val="lt1"/>
+          </a:fontRef>
+        </p:style>
+        <p:txBody>
+          <a:bodyPr rtlCol="0" anchor="ctr"/>
+          <a:lstStyle/>
+          <a:p>
+            <a:pPr algn="ctr" defTabSz="1219200"/>
+            <a:endParaRPr lang="zh-CN" altLang="en-US" sz="1600" b="1" kern="0">
+              <a:solidFill>
+                <a:srgbClr val="1A7BAE"/>
+              </a:solidFill>
+              <a:latin typeface="微软雅黑" panose="020B0503020204020204" pitchFamily="34" charset="-122"/>
+            </a:endParaRPr>
+          </a:p>
+        </p:txBody>
+      </p:sp>
+      <p:sp>
+        <p:nvSpPr>
+          <p:cNvPr id="41" name="矩形 40"/>
+          <p:cNvSpPr/>
+          <p:nvPr/>
+        </p:nvSpPr>
+        <p:spPr>
+          <a:xfrm>
+            <a:off x="951910" y="4890692"/>
+            <a:ext cx="995680" cy="337185"/>
+          </a:xfrm>
+          <a:prstGeom prst="rect">
+            <a:avLst/>
+          </a:prstGeom>
+        </p:spPr>
+        <p:txBody>
+          <a:bodyPr wrap="none">
+            <a:spAutoFit/>
+          </a:bodyPr>
+          <a:lstStyle/>
+          <a:p>
+            <a:pPr algn="ctr" defTabSz="1219200"/>
+            <a:r>
+              <a:rPr lang="en-US" altLang="zh-CN" sz="2000" b="1" kern="0" dirty="0">
+                <a:solidFill>
+                  <a:schemeClr val="accent1">
+                    <a:lumMod val="40000"/>
+                    <a:lumOff val="60000"/>
+                  </a:schemeClr>
+                </a:solidFill>
+                <a:latin typeface="微软雅黑" panose="020B0503020204020204" pitchFamily="34" charset="-122"/>
+              </a:rPr>
+              <a:t>影响分析</a:t>
+            </a:r>
+            <a:endParaRPr lang="en-US" altLang="zh-CN" sz="1600" b="1" kern="0">
+              <a:solidFill>
+                <a:schemeClr val="accent1">
+                  <a:lumMod val="40000"/>
+                  <a:lumOff val="60000"/>
+                </a:schemeClr>
+              </a:solidFill>
+              <a:latin typeface="微软雅黑" panose="020B0503020204020204" pitchFamily="34" charset="-122"/>
+            </a:endParaRPr>
+          </a:p>
+        </p:txBody>
+      </p:sp>
+      <p:sp>
+        <p:nvSpPr>
+          <p:cNvPr id="43" name="矩形 42"/>
+          <p:cNvSpPr/>
+          <p:nvPr/>
+        </p:nvSpPr>
+        <p:spPr>
+          <a:xfrm>
             <a:off x="2135505" y="2812415"/>
             <a:ext cx="8296910" cy="430530"/>
           </a:xfrm>
@@ -26883,7 +25810,7 @@
 </p:sld>
 </file>
 
-<file path=ppt/slides/slide24.xml><?xml version="1.0" encoding="utf-8"?>
+<file path=ppt/slides/slide25.xml><?xml version="1.0" encoding="utf-8"?>
 <p:sld xmlns:a="http://schemas.openxmlformats.org/drawingml/2006/main" xmlns:r="http://schemas.openxmlformats.org/officeDocument/2006/relationships" xmlns:p="http://schemas.openxmlformats.org/presentationml/2006/main">
   <p:cSld>
     <p:spTree>
@@ -27711,9 +26638,10 @@
           <a:lstStyle/>
           <a:p>
             <a:r>
-              <a:rPr lang="zh-CN" altLang="en-US" dirty="0"/>
-              <a:t>测试准备</a:t>
-            </a:r>
+              <a:rPr lang="zh-CN" altLang="en-US" dirty="0" smtClean="0"/>
+              <a:t>产品效果</a:t>
+            </a:r>
+            <a:endParaRPr lang="zh-CN" altLang="en-US" dirty="0"/>
           </a:p>
         </p:txBody>
       </p:sp>
@@ -28651,7 +27579,7 @@
           <p:cNvPr id="3" name="文本占位符 2">
             <a:extLst>
               <a:ext uri="{FF2B5EF4-FFF2-40B4-BE49-F238E27FC236}">
-                <a16:creationId xmlns:a16="http://schemas.microsoft.com/office/drawing/2014/main" xmlns="" id="{5C1355E8-A5D1-4C03-9A37-E0FEE9BD5844}"/>
+                <a16:creationId xmlns="" xmlns:a16="http://schemas.microsoft.com/office/drawing/2014/main" id="{5C1355E8-A5D1-4C03-9A37-E0FEE9BD5844}"/>
               </a:ext>
             </a:extLst>
           </p:cNvPr>
@@ -28767,7 +27695,7 @@
           <p:cNvPr id="4" name="表格 3">
             <a:extLst>
               <a:ext uri="{FF2B5EF4-FFF2-40B4-BE49-F238E27FC236}">
-                <a16:creationId xmlns:a16="http://schemas.microsoft.com/office/drawing/2014/main" xmlns="" id="{B42C1E7D-3787-4914-8BBF-14ABFD933C39}"/>
+                <a16:creationId xmlns="" xmlns:a16="http://schemas.microsoft.com/office/drawing/2014/main" id="{B42C1E7D-3787-4914-8BBF-14ABFD933C39}"/>
               </a:ext>
             </a:extLst>
           </p:cNvPr>
@@ -28792,14 +27720,14 @@
                 <a:gridCol w="1925250">
                   <a:extLst>
                     <a:ext uri="{9D8B030D-6E8A-4147-A177-3AD203B41FA5}">
-                      <a16:colId xmlns:a16="http://schemas.microsoft.com/office/drawing/2014/main" xmlns="" val="1282175074"/>
+                      <a16:colId xmlns="" xmlns:a16="http://schemas.microsoft.com/office/drawing/2014/main" val="1282175074"/>
                     </a:ext>
                   </a:extLst>
                 </a:gridCol>
                 <a:gridCol w="3384223">
                   <a:extLst>
                     <a:ext uri="{9D8B030D-6E8A-4147-A177-3AD203B41FA5}">
-                      <a16:colId xmlns:a16="http://schemas.microsoft.com/office/drawing/2014/main" xmlns="" val="2794667955"/>
+                      <a16:colId xmlns="" xmlns:a16="http://schemas.microsoft.com/office/drawing/2014/main" val="2794667955"/>
                     </a:ext>
                   </a:extLst>
                 </a:gridCol>
@@ -28863,7 +27791,7 @@
                 </a:tc>
                 <a:extLst>
                   <a:ext uri="{0D108BD9-81ED-4DB2-BD59-A6C34878D82A}">
-                    <a16:rowId xmlns:a16="http://schemas.microsoft.com/office/drawing/2014/main" xmlns="" val="1942723808"/>
+                    <a16:rowId xmlns="" xmlns:a16="http://schemas.microsoft.com/office/drawing/2014/main" val="1942723808"/>
                   </a:ext>
                 </a:extLst>
               </a:tr>
@@ -28952,7 +27880,7 @@
                 </a:tc>
                 <a:extLst>
                   <a:ext uri="{0D108BD9-81ED-4DB2-BD59-A6C34878D82A}">
-                    <a16:rowId xmlns:a16="http://schemas.microsoft.com/office/drawing/2014/main" xmlns="" val="1697530501"/>
+                    <a16:rowId xmlns="" xmlns:a16="http://schemas.microsoft.com/office/drawing/2014/main" val="1697530501"/>
                   </a:ext>
                 </a:extLst>
               </a:tr>
@@ -29089,7 +28017,7 @@
                 </a:tc>
                 <a:extLst>
                   <a:ext uri="{0D108BD9-81ED-4DB2-BD59-A6C34878D82A}">
-                    <a16:rowId xmlns:a16="http://schemas.microsoft.com/office/drawing/2014/main" xmlns="" val="2973481084"/>
+                    <a16:rowId xmlns="" xmlns:a16="http://schemas.microsoft.com/office/drawing/2014/main" val="2973481084"/>
                   </a:ext>
                 </a:extLst>
               </a:tr>
@@ -29226,7 +28154,7 @@
                 </a:tc>
                 <a:extLst>
                   <a:ext uri="{0D108BD9-81ED-4DB2-BD59-A6C34878D82A}">
-                    <a16:rowId xmlns:a16="http://schemas.microsoft.com/office/drawing/2014/main" xmlns="" val="3033541780"/>
+                    <a16:rowId xmlns="" xmlns:a16="http://schemas.microsoft.com/office/drawing/2014/main" val="3033541780"/>
                   </a:ext>
                 </a:extLst>
               </a:tr>
@@ -29363,7 +28291,7 @@
                 </a:tc>
                 <a:extLst>
                   <a:ext uri="{0D108BD9-81ED-4DB2-BD59-A6C34878D82A}">
-                    <a16:rowId xmlns:a16="http://schemas.microsoft.com/office/drawing/2014/main" xmlns="" val="1325656264"/>
+                    <a16:rowId xmlns="" xmlns:a16="http://schemas.microsoft.com/office/drawing/2014/main" val="1325656264"/>
                   </a:ext>
                 </a:extLst>
               </a:tr>
@@ -29500,7 +28428,7 @@
                 </a:tc>
                 <a:extLst>
                   <a:ext uri="{0D108BD9-81ED-4DB2-BD59-A6C34878D82A}">
-                    <a16:rowId xmlns:a16="http://schemas.microsoft.com/office/drawing/2014/main" xmlns="" val="840071929"/>
+                    <a16:rowId xmlns="" xmlns:a16="http://schemas.microsoft.com/office/drawing/2014/main" val="840071929"/>
                   </a:ext>
                 </a:extLst>
               </a:tr>
@@ -29513,7 +28441,7 @@
           <p:cNvPr id="15" name="表格 14">
             <a:extLst>
               <a:ext uri="{FF2B5EF4-FFF2-40B4-BE49-F238E27FC236}">
-                <a16:creationId xmlns:a16="http://schemas.microsoft.com/office/drawing/2014/main" xmlns="" id="{428F7555-25F1-4667-A3F4-1D0DC055C8A5}"/>
+                <a16:creationId xmlns="" xmlns:a16="http://schemas.microsoft.com/office/drawing/2014/main" id="{428F7555-25F1-4667-A3F4-1D0DC055C8A5}"/>
               </a:ext>
             </a:extLst>
           </p:cNvPr>
@@ -29538,14 +28466,14 @@
                 <a:gridCol w="1925250">
                   <a:extLst>
                     <a:ext uri="{9D8B030D-6E8A-4147-A177-3AD203B41FA5}">
-                      <a16:colId xmlns:a16="http://schemas.microsoft.com/office/drawing/2014/main" xmlns="" val="1282175074"/>
+                      <a16:colId xmlns="" xmlns:a16="http://schemas.microsoft.com/office/drawing/2014/main" val="1282175074"/>
                     </a:ext>
                   </a:extLst>
                 </a:gridCol>
                 <a:gridCol w="3384223">
                   <a:extLst>
                     <a:ext uri="{9D8B030D-6E8A-4147-A177-3AD203B41FA5}">
-                      <a16:colId xmlns:a16="http://schemas.microsoft.com/office/drawing/2014/main" xmlns="" val="2794667955"/>
+                      <a16:colId xmlns="" xmlns:a16="http://schemas.microsoft.com/office/drawing/2014/main" val="2794667955"/>
                     </a:ext>
                   </a:extLst>
                 </a:gridCol>
@@ -29609,7 +28537,7 @@
                 </a:tc>
                 <a:extLst>
                   <a:ext uri="{0D108BD9-81ED-4DB2-BD59-A6C34878D82A}">
-                    <a16:rowId xmlns:a16="http://schemas.microsoft.com/office/drawing/2014/main" xmlns="" val="1942723808"/>
+                    <a16:rowId xmlns="" xmlns:a16="http://schemas.microsoft.com/office/drawing/2014/main" val="1942723808"/>
                   </a:ext>
                 </a:extLst>
               </a:tr>
@@ -29660,7 +28588,7 @@
                 </a:tc>
                 <a:extLst>
                   <a:ext uri="{0D108BD9-81ED-4DB2-BD59-A6C34878D82A}">
-                    <a16:rowId xmlns:a16="http://schemas.microsoft.com/office/drawing/2014/main" xmlns="" val="196610478"/>
+                    <a16:rowId xmlns="" xmlns:a16="http://schemas.microsoft.com/office/drawing/2014/main" val="196610478"/>
                   </a:ext>
                 </a:extLst>
               </a:tr>
@@ -29702,7 +28630,7 @@
                 </a:tc>
                 <a:extLst>
                   <a:ext uri="{0D108BD9-81ED-4DB2-BD59-A6C34878D82A}">
-                    <a16:rowId xmlns:a16="http://schemas.microsoft.com/office/drawing/2014/main" xmlns="" val="1697530501"/>
+                    <a16:rowId xmlns="" xmlns:a16="http://schemas.microsoft.com/office/drawing/2014/main" val="1697530501"/>
                   </a:ext>
                 </a:extLst>
               </a:tr>
@@ -29738,7 +28666,7 @@
                 </a:tc>
                 <a:extLst>
                   <a:ext uri="{0D108BD9-81ED-4DB2-BD59-A6C34878D82A}">
-                    <a16:rowId xmlns:a16="http://schemas.microsoft.com/office/drawing/2014/main" xmlns="" val="2973481084"/>
+                    <a16:rowId xmlns="" xmlns:a16="http://schemas.microsoft.com/office/drawing/2014/main" val="2973481084"/>
                   </a:ext>
                 </a:extLst>
               </a:tr>
@@ -29774,7 +28702,7 @@
                 </a:tc>
                 <a:extLst>
                   <a:ext uri="{0D108BD9-81ED-4DB2-BD59-A6C34878D82A}">
-                    <a16:rowId xmlns:a16="http://schemas.microsoft.com/office/drawing/2014/main" xmlns="" val="3033541780"/>
+                    <a16:rowId xmlns="" xmlns:a16="http://schemas.microsoft.com/office/drawing/2014/main" val="3033541780"/>
                   </a:ext>
                 </a:extLst>
               </a:tr>
@@ -29814,7 +28742,7 @@
                 </a:tc>
                 <a:extLst>
                   <a:ext uri="{0D108BD9-81ED-4DB2-BD59-A6C34878D82A}">
-                    <a16:rowId xmlns:a16="http://schemas.microsoft.com/office/drawing/2014/main" xmlns="" val="1325656264"/>
+                    <a16:rowId xmlns="" xmlns:a16="http://schemas.microsoft.com/office/drawing/2014/main" val="1325656264"/>
                   </a:ext>
                 </a:extLst>
               </a:tr>
@@ -29850,7 +28778,7 @@
                 </a:tc>
                 <a:extLst>
                   <a:ext uri="{0D108BD9-81ED-4DB2-BD59-A6C34878D82A}">
-                    <a16:rowId xmlns:a16="http://schemas.microsoft.com/office/drawing/2014/main" xmlns="" val="840071929"/>
+                    <a16:rowId xmlns="" xmlns:a16="http://schemas.microsoft.com/office/drawing/2014/main" val="840071929"/>
                   </a:ext>
                 </a:extLst>
               </a:tr>
@@ -29889,7 +28817,7 @@
                 </a:tc>
                 <a:extLst>
                   <a:ext uri="{0D108BD9-81ED-4DB2-BD59-A6C34878D82A}">
-                    <a16:rowId xmlns:a16="http://schemas.microsoft.com/office/drawing/2014/main" xmlns="" val="4177975807"/>
+                    <a16:rowId xmlns="" xmlns:a16="http://schemas.microsoft.com/office/drawing/2014/main" val="4177975807"/>
                   </a:ext>
                 </a:extLst>
               </a:tr>
@@ -29928,7 +28856,7 @@
                 </a:tc>
                 <a:extLst>
                   <a:ext uri="{0D108BD9-81ED-4DB2-BD59-A6C34878D82A}">
-                    <a16:rowId xmlns:a16="http://schemas.microsoft.com/office/drawing/2014/main" xmlns="" val="3256443687"/>
+                    <a16:rowId xmlns="" xmlns:a16="http://schemas.microsoft.com/office/drawing/2014/main" val="3256443687"/>
                   </a:ext>
                 </a:extLst>
               </a:tr>
@@ -29967,7 +28895,7 @@
                 </a:tc>
                 <a:extLst>
                   <a:ext uri="{0D108BD9-81ED-4DB2-BD59-A6C34878D82A}">
-                    <a16:rowId xmlns:a16="http://schemas.microsoft.com/office/drawing/2014/main" xmlns="" val="1876265613"/>
+                    <a16:rowId xmlns="" xmlns:a16="http://schemas.microsoft.com/office/drawing/2014/main" val="1876265613"/>
                   </a:ext>
                 </a:extLst>
               </a:tr>
@@ -30006,7 +28934,7 @@
                 </a:tc>
                 <a:extLst>
                   <a:ext uri="{0D108BD9-81ED-4DB2-BD59-A6C34878D82A}">
-                    <a16:rowId xmlns:a16="http://schemas.microsoft.com/office/drawing/2014/main" xmlns="" val="2697491168"/>
+                    <a16:rowId xmlns="" xmlns:a16="http://schemas.microsoft.com/office/drawing/2014/main" val="2697491168"/>
                   </a:ext>
                 </a:extLst>
               </a:tr>
@@ -30045,7 +28973,7 @@
                 </a:tc>
                 <a:extLst>
                   <a:ext uri="{0D108BD9-81ED-4DB2-BD59-A6C34878D82A}">
-                    <a16:rowId xmlns:a16="http://schemas.microsoft.com/office/drawing/2014/main" xmlns="" val="2823185513"/>
+                    <a16:rowId xmlns="" xmlns:a16="http://schemas.microsoft.com/office/drawing/2014/main" val="2823185513"/>
                   </a:ext>
                 </a:extLst>
               </a:tr>
@@ -30107,7 +29035,7 @@
           <p:cNvPr id="3" name="图片 2">
             <a:extLst>
               <a:ext uri="{FF2B5EF4-FFF2-40B4-BE49-F238E27FC236}">
-                <a16:creationId xmlns:a16="http://schemas.microsoft.com/office/drawing/2014/main" xmlns="" id="{2DC9B436-AE38-422E-8A0F-12ECF1C07434}"/>
+                <a16:creationId xmlns="" xmlns:a16="http://schemas.microsoft.com/office/drawing/2014/main" id="{2DC9B436-AE38-422E-8A0F-12ECF1C07434}"/>
               </a:ext>
             </a:extLst>
           </p:cNvPr>
@@ -30214,7 +29142,7 @@
           <p:cNvPr id="6" name="连接符: 曲线 5">
             <a:extLst>
               <a:ext uri="{FF2B5EF4-FFF2-40B4-BE49-F238E27FC236}">
-                <a16:creationId xmlns:a16="http://schemas.microsoft.com/office/drawing/2014/main" xmlns="" id="{EC602095-B588-4233-8DC4-38A97C7E1EC9}"/>
+                <a16:creationId xmlns="" xmlns:a16="http://schemas.microsoft.com/office/drawing/2014/main" id="{EC602095-B588-4233-8DC4-38A97C7E1EC9}"/>
               </a:ext>
             </a:extLst>
           </p:cNvPr>
@@ -30260,7 +29188,7 @@
           <p:cNvPr id="36" name="矩形 35">
             <a:extLst>
               <a:ext uri="{FF2B5EF4-FFF2-40B4-BE49-F238E27FC236}">
-                <a16:creationId xmlns:a16="http://schemas.microsoft.com/office/drawing/2014/main" xmlns="" id="{5335295F-33AC-4318-82EE-A5028175CC9A}"/>
+                <a16:creationId xmlns="" xmlns:a16="http://schemas.microsoft.com/office/drawing/2014/main" id="{5335295F-33AC-4318-82EE-A5028175CC9A}"/>
               </a:ext>
             </a:extLst>
           </p:cNvPr>
@@ -30299,7 +29227,7 @@
           <p:cNvPr id="38" name="连接符: 曲线 37">
             <a:extLst>
               <a:ext uri="{FF2B5EF4-FFF2-40B4-BE49-F238E27FC236}">
-                <a16:creationId xmlns:a16="http://schemas.microsoft.com/office/drawing/2014/main" xmlns="" id="{5B72F566-BEEC-4478-9780-7ABFFE8C766E}"/>
+                <a16:creationId xmlns="" xmlns:a16="http://schemas.microsoft.com/office/drawing/2014/main" id="{5B72F566-BEEC-4478-9780-7ABFFE8C766E}"/>
               </a:ext>
             </a:extLst>
           </p:cNvPr>
@@ -30345,7 +29273,7 @@
           <p:cNvPr id="39" name="连接符: 曲线 38">
             <a:extLst>
               <a:ext uri="{FF2B5EF4-FFF2-40B4-BE49-F238E27FC236}">
-                <a16:creationId xmlns:a16="http://schemas.microsoft.com/office/drawing/2014/main" xmlns="" id="{C6984BF3-D355-4F4D-B674-DC2A5B87E777}"/>
+                <a16:creationId xmlns="" xmlns:a16="http://schemas.microsoft.com/office/drawing/2014/main" id="{C6984BF3-D355-4F4D-B674-DC2A5B87E777}"/>
               </a:ext>
             </a:extLst>
           </p:cNvPr>
@@ -30391,7 +29319,7 @@
           <p:cNvPr id="44" name="矩形 43">
             <a:extLst>
               <a:ext uri="{FF2B5EF4-FFF2-40B4-BE49-F238E27FC236}">
-                <a16:creationId xmlns:a16="http://schemas.microsoft.com/office/drawing/2014/main" xmlns="" id="{0D52379F-DB45-4771-954F-79BA081C17EE}"/>
+                <a16:creationId xmlns="" xmlns:a16="http://schemas.microsoft.com/office/drawing/2014/main" id="{0D52379F-DB45-4771-954F-79BA081C17EE}"/>
               </a:ext>
             </a:extLst>
           </p:cNvPr>
@@ -30553,7 +29481,7 @@
           <p:cNvPr id="4" name="表格 3">
             <a:extLst>
               <a:ext uri="{FF2B5EF4-FFF2-40B4-BE49-F238E27FC236}">
-                <a16:creationId xmlns:a16="http://schemas.microsoft.com/office/drawing/2014/main" xmlns="" id="{B42C1E7D-3787-4914-8BBF-14ABFD933C39}"/>
+                <a16:creationId xmlns="" xmlns:a16="http://schemas.microsoft.com/office/drawing/2014/main" id="{B42C1E7D-3787-4914-8BBF-14ABFD933C39}"/>
               </a:ext>
             </a:extLst>
           </p:cNvPr>
@@ -30578,28 +29506,28 @@
                 <a:gridCol w="1925250">
                   <a:extLst>
                     <a:ext uri="{9D8B030D-6E8A-4147-A177-3AD203B41FA5}">
-                      <a16:colId xmlns:a16="http://schemas.microsoft.com/office/drawing/2014/main" xmlns="" val="1282175074"/>
+                      <a16:colId xmlns="" xmlns:a16="http://schemas.microsoft.com/office/drawing/2014/main" val="1282175074"/>
                     </a:ext>
                   </a:extLst>
                 </a:gridCol>
                 <a:gridCol w="1366886">
                   <a:extLst>
                     <a:ext uri="{9D8B030D-6E8A-4147-A177-3AD203B41FA5}">
-                      <a16:colId xmlns:a16="http://schemas.microsoft.com/office/drawing/2014/main" xmlns="" val="1033919121"/>
+                      <a16:colId xmlns="" xmlns:a16="http://schemas.microsoft.com/office/drawing/2014/main" val="1033919121"/>
                     </a:ext>
                   </a:extLst>
                 </a:gridCol>
                 <a:gridCol w="4792135">
                   <a:extLst>
                     <a:ext uri="{9D8B030D-6E8A-4147-A177-3AD203B41FA5}">
-                      <a16:colId xmlns:a16="http://schemas.microsoft.com/office/drawing/2014/main" xmlns="" val="2794667955"/>
+                      <a16:colId xmlns="" xmlns:a16="http://schemas.microsoft.com/office/drawing/2014/main" val="2794667955"/>
                     </a:ext>
                   </a:extLst>
                 </a:gridCol>
                 <a:gridCol w="1410703">
                   <a:extLst>
                     <a:ext uri="{9D8B030D-6E8A-4147-A177-3AD203B41FA5}">
-                      <a16:colId xmlns:a16="http://schemas.microsoft.com/office/drawing/2014/main" xmlns="" val="1595845131"/>
+                      <a16:colId xmlns="" xmlns:a16="http://schemas.microsoft.com/office/drawing/2014/main" val="1595845131"/>
                     </a:ext>
                   </a:extLst>
                 </a:gridCol>
@@ -30727,7 +29655,7 @@
                 </a:tc>
                 <a:extLst>
                   <a:ext uri="{0D108BD9-81ED-4DB2-BD59-A6C34878D82A}">
-                    <a16:rowId xmlns:a16="http://schemas.microsoft.com/office/drawing/2014/main" xmlns="" val="1942723808"/>
+                    <a16:rowId xmlns="" xmlns:a16="http://schemas.microsoft.com/office/drawing/2014/main" val="1942723808"/>
                   </a:ext>
                 </a:extLst>
               </a:tr>
@@ -30880,7 +29808,7 @@
                 </a:tc>
                 <a:extLst>
                   <a:ext uri="{0D108BD9-81ED-4DB2-BD59-A6C34878D82A}">
-                    <a16:rowId xmlns:a16="http://schemas.microsoft.com/office/drawing/2014/main" xmlns="" val="1697530501"/>
+                    <a16:rowId xmlns="" xmlns:a16="http://schemas.microsoft.com/office/drawing/2014/main" val="1697530501"/>
                   </a:ext>
                 </a:extLst>
               </a:tr>
@@ -31082,7 +30010,7 @@
                 </a:tc>
                 <a:extLst>
                   <a:ext uri="{0D108BD9-81ED-4DB2-BD59-A6C34878D82A}">
-                    <a16:rowId xmlns:a16="http://schemas.microsoft.com/office/drawing/2014/main" xmlns="" val="2973481084"/>
+                    <a16:rowId xmlns="" xmlns:a16="http://schemas.microsoft.com/office/drawing/2014/main" val="2973481084"/>
                   </a:ext>
                 </a:extLst>
               </a:tr>
@@ -31284,7 +30212,7 @@
                 </a:tc>
                 <a:extLst>
                   <a:ext uri="{0D108BD9-81ED-4DB2-BD59-A6C34878D82A}">
-                    <a16:rowId xmlns:a16="http://schemas.microsoft.com/office/drawing/2014/main" xmlns="" val="3033541780"/>
+                    <a16:rowId xmlns="" xmlns:a16="http://schemas.microsoft.com/office/drawing/2014/main" val="3033541780"/>
                   </a:ext>
                 </a:extLst>
               </a:tr>
@@ -31486,7 +30414,7 @@
                 </a:tc>
                 <a:extLst>
                   <a:ext uri="{0D108BD9-81ED-4DB2-BD59-A6C34878D82A}">
-                    <a16:rowId xmlns:a16="http://schemas.microsoft.com/office/drawing/2014/main" xmlns="" val="1325656264"/>
+                    <a16:rowId xmlns="" xmlns:a16="http://schemas.microsoft.com/office/drawing/2014/main" val="1325656264"/>
                   </a:ext>
                 </a:extLst>
               </a:tr>
@@ -31622,7 +30550,7 @@
                 </a:tc>
                 <a:extLst>
                   <a:ext uri="{0D108BD9-81ED-4DB2-BD59-A6C34878D82A}">
-                    <a16:rowId xmlns:a16="http://schemas.microsoft.com/office/drawing/2014/main" xmlns="" val="840071929"/>
+                    <a16:rowId xmlns="" xmlns:a16="http://schemas.microsoft.com/office/drawing/2014/main" val="840071929"/>
                   </a:ext>
                 </a:extLst>
               </a:tr>
@@ -31734,7 +30662,7 @@
                 </a:tc>
                 <a:extLst>
                   <a:ext uri="{0D108BD9-81ED-4DB2-BD59-A6C34878D82A}">
-                    <a16:rowId xmlns:a16="http://schemas.microsoft.com/office/drawing/2014/main" xmlns="" val="1562805395"/>
+                    <a16:rowId xmlns="" xmlns:a16="http://schemas.microsoft.com/office/drawing/2014/main" val="1562805395"/>
                   </a:ext>
                 </a:extLst>
               </a:tr>
@@ -31838,7 +30766,7 @@
           <p:cNvPr id="4" name="表格 3">
             <a:extLst>
               <a:ext uri="{FF2B5EF4-FFF2-40B4-BE49-F238E27FC236}">
-                <a16:creationId xmlns:a16="http://schemas.microsoft.com/office/drawing/2014/main" xmlns="" id="{B42C1E7D-3787-4914-8BBF-14ABFD933C39}"/>
+                <a16:creationId xmlns="" xmlns:a16="http://schemas.microsoft.com/office/drawing/2014/main" id="{B42C1E7D-3787-4914-8BBF-14ABFD933C39}"/>
               </a:ext>
             </a:extLst>
           </p:cNvPr>
@@ -31863,21 +30791,21 @@
                 <a:gridCol w="2338358">
                   <a:extLst>
                     <a:ext uri="{9D8B030D-6E8A-4147-A177-3AD203B41FA5}">
-                      <a16:colId xmlns:a16="http://schemas.microsoft.com/office/drawing/2014/main" xmlns="" val="1282175074"/>
+                      <a16:colId xmlns="" xmlns:a16="http://schemas.microsoft.com/office/drawing/2014/main" val="1282175074"/>
                     </a:ext>
                   </a:extLst>
                 </a:gridCol>
                 <a:gridCol w="3492113">
                   <a:extLst>
                     <a:ext uri="{9D8B030D-6E8A-4147-A177-3AD203B41FA5}">
-                      <a16:colId xmlns:a16="http://schemas.microsoft.com/office/drawing/2014/main" xmlns="" val="1033919121"/>
+                      <a16:colId xmlns="" xmlns:a16="http://schemas.microsoft.com/office/drawing/2014/main" val="1033919121"/>
                     </a:ext>
                   </a:extLst>
                 </a:gridCol>
                 <a:gridCol w="3560809">
                   <a:extLst>
                     <a:ext uri="{9D8B030D-6E8A-4147-A177-3AD203B41FA5}">
-                      <a16:colId xmlns:a16="http://schemas.microsoft.com/office/drawing/2014/main" xmlns="" val="1595845131"/>
+                      <a16:colId xmlns="" xmlns:a16="http://schemas.microsoft.com/office/drawing/2014/main" val="1595845131"/>
                     </a:ext>
                   </a:extLst>
                 </a:gridCol>
@@ -31966,7 +30894,7 @@
                 </a:tc>
                 <a:extLst>
                   <a:ext uri="{0D108BD9-81ED-4DB2-BD59-A6C34878D82A}">
-                    <a16:rowId xmlns:a16="http://schemas.microsoft.com/office/drawing/2014/main" xmlns="" val="1942723808"/>
+                    <a16:rowId xmlns="" xmlns:a16="http://schemas.microsoft.com/office/drawing/2014/main" val="1942723808"/>
                   </a:ext>
                 </a:extLst>
               </a:tr>
@@ -32045,7 +30973,7 @@
                 </a:tc>
                 <a:extLst>
                   <a:ext uri="{0D108BD9-81ED-4DB2-BD59-A6C34878D82A}">
-                    <a16:rowId xmlns:a16="http://schemas.microsoft.com/office/drawing/2014/main" xmlns="" val="1562805395"/>
+                    <a16:rowId xmlns="" xmlns:a16="http://schemas.microsoft.com/office/drawing/2014/main" val="1562805395"/>
                   </a:ext>
                 </a:extLst>
               </a:tr>
@@ -32146,7 +31074,7 @@
                 </a:tc>
                 <a:extLst>
                   <a:ext uri="{0D108BD9-81ED-4DB2-BD59-A6C34878D82A}">
-                    <a16:rowId xmlns:a16="http://schemas.microsoft.com/office/drawing/2014/main" xmlns="" val="3971389921"/>
+                    <a16:rowId xmlns="" xmlns:a16="http://schemas.microsoft.com/office/drawing/2014/main" val="3971389921"/>
                   </a:ext>
                 </a:extLst>
               </a:tr>
@@ -32207,7 +31135,7 @@
                 </a:tc>
                 <a:extLst>
                   <a:ext uri="{0D108BD9-81ED-4DB2-BD59-A6C34878D82A}">
-                    <a16:rowId xmlns:a16="http://schemas.microsoft.com/office/drawing/2014/main" xmlns="" val="3473241200"/>
+                    <a16:rowId xmlns="" xmlns:a16="http://schemas.microsoft.com/office/drawing/2014/main" val="3473241200"/>
                   </a:ext>
                 </a:extLst>
               </a:tr>
@@ -32272,7 +31200,7 @@
                 </a:tc>
                 <a:extLst>
                   <a:ext uri="{0D108BD9-81ED-4DB2-BD59-A6C34878D82A}">
-                    <a16:rowId xmlns:a16="http://schemas.microsoft.com/office/drawing/2014/main" xmlns="" val="25731267"/>
+                    <a16:rowId xmlns="" xmlns:a16="http://schemas.microsoft.com/office/drawing/2014/main" val="25731267"/>
                   </a:ext>
                 </a:extLst>
               </a:tr>
@@ -32333,7 +31261,7 @@
                 </a:tc>
                 <a:extLst>
                   <a:ext uri="{0D108BD9-81ED-4DB2-BD59-A6C34878D82A}">
-                    <a16:rowId xmlns:a16="http://schemas.microsoft.com/office/drawing/2014/main" xmlns="" val="228986502"/>
+                    <a16:rowId xmlns="" xmlns:a16="http://schemas.microsoft.com/office/drawing/2014/main" val="228986502"/>
                   </a:ext>
                 </a:extLst>
               </a:tr>
@@ -32394,7 +31322,7 @@
                 </a:tc>
                 <a:extLst>
                   <a:ext uri="{0D108BD9-81ED-4DB2-BD59-A6C34878D82A}">
-                    <a16:rowId xmlns:a16="http://schemas.microsoft.com/office/drawing/2014/main" xmlns="" val="185928599"/>
+                    <a16:rowId xmlns="" xmlns:a16="http://schemas.microsoft.com/office/drawing/2014/main" val="185928599"/>
                   </a:ext>
                 </a:extLst>
               </a:tr>
@@ -32455,7 +31383,7 @@
                 </a:tc>
                 <a:extLst>
                   <a:ext uri="{0D108BD9-81ED-4DB2-BD59-A6C34878D82A}">
-                    <a16:rowId xmlns:a16="http://schemas.microsoft.com/office/drawing/2014/main" xmlns="" val="2361068326"/>
+                    <a16:rowId xmlns="" xmlns:a16="http://schemas.microsoft.com/office/drawing/2014/main" val="2361068326"/>
                   </a:ext>
                 </a:extLst>
               </a:tr>
@@ -32516,7 +31444,7 @@
                 </a:tc>
                 <a:extLst>
                   <a:ext uri="{0D108BD9-81ED-4DB2-BD59-A6C34878D82A}">
-                    <a16:rowId xmlns:a16="http://schemas.microsoft.com/office/drawing/2014/main" xmlns="" val="1057066109"/>
+                    <a16:rowId xmlns="" xmlns:a16="http://schemas.microsoft.com/office/drawing/2014/main" val="1057066109"/>
                   </a:ext>
                 </a:extLst>
               </a:tr>
@@ -32577,7 +31505,7 @@
                 </a:tc>
                 <a:extLst>
                   <a:ext uri="{0D108BD9-81ED-4DB2-BD59-A6C34878D82A}">
-                    <a16:rowId xmlns:a16="http://schemas.microsoft.com/office/drawing/2014/main" xmlns="" val="2051558170"/>
+                    <a16:rowId xmlns="" xmlns:a16="http://schemas.microsoft.com/office/drawing/2014/main" val="2051558170"/>
                   </a:ext>
                 </a:extLst>
               </a:tr>
@@ -32638,7 +31566,7 @@
                 </a:tc>
                 <a:extLst>
                   <a:ext uri="{0D108BD9-81ED-4DB2-BD59-A6C34878D82A}">
-                    <a16:rowId xmlns:a16="http://schemas.microsoft.com/office/drawing/2014/main" xmlns="" val="3474384299"/>
+                    <a16:rowId xmlns="" xmlns:a16="http://schemas.microsoft.com/office/drawing/2014/main" val="3474384299"/>
                   </a:ext>
                 </a:extLst>
               </a:tr>
@@ -32766,7 +31694,7 @@
           <a:p>
             <a:r>
               <a:rPr lang="zh-CN" altLang="en-US" dirty="0" smtClean="0"/>
-              <a:t>测试用例设计</a:t>
+              <a:t>技术突破</a:t>
             </a:r>
             <a:endParaRPr lang="zh-CN" altLang="en-US" dirty="0"/>
           </a:p>
